--- a/rough-diag.pptx
+++ b/rough-diag.pptx
@@ -5,7 +5,7 @@
     <p:sldMasterId id="2147483648" r:id="rId1"/>
   </p:sldMasterIdLst>
   <p:notesMasterIdLst>
-    <p:notesMasterId r:id="rId18"/>
+    <p:notesMasterId r:id="rId19"/>
   </p:notesMasterIdLst>
   <p:sldIdLst>
     <p:sldId id="700" r:id="rId2"/>
@@ -21,9 +21,10 @@
     <p:sldId id="710" r:id="rId12"/>
     <p:sldId id="711" r:id="rId13"/>
     <p:sldId id="713" r:id="rId14"/>
-    <p:sldId id="714" r:id="rId15"/>
-    <p:sldId id="715" r:id="rId16"/>
-    <p:sldId id="712" r:id="rId17"/>
+    <p:sldId id="716" r:id="rId15"/>
+    <p:sldId id="714" r:id="rId16"/>
+    <p:sldId id="715" r:id="rId17"/>
+    <p:sldId id="712" r:id="rId18"/>
   </p:sldIdLst>
   <p:sldSz cx="9144000" cy="5715000" type="screen16x10"/>
   <p:notesSz cx="6858000" cy="9144000"/>
@@ -8216,8 +8217,8 @@
         </p:nvSpPr>
         <p:spPr>
           <a:xfrm>
-            <a:off x="2057400" y="342900"/>
-            <a:ext cx="6477000" cy="2209800"/>
+            <a:off x="3886200" y="647700"/>
+            <a:ext cx="1981200" cy="2971800"/>
           </a:xfrm>
           <a:prstGeom prst="rect">
             <a:avLst/>
@@ -8251,14 +8252,44 @@
       </p:sp>
       <p:sp>
         <p:nvSpPr>
-          <p:cNvPr id="3" name="Rectangle 2"/>
+          <p:cNvPr id="3" name="TextBox 2"/>
+          <p:cNvSpPr txBox="1"/>
+          <p:nvPr/>
+        </p:nvSpPr>
+        <p:spPr>
+          <a:xfrm>
+            <a:off x="4038600" y="3695700"/>
+            <a:ext cx="1147815" cy="369332"/>
+          </a:xfrm>
+          <a:prstGeom prst="rect">
+            <a:avLst/>
+          </a:prstGeom>
+          <a:noFill/>
+        </p:spPr>
+        <p:txBody>
+          <a:bodyPr wrap="none" rtlCol="0">
+            <a:spAutoFit/>
+          </a:bodyPr>
+          <a:lstStyle/>
+          <a:p>
+            <a:r>
+              <a:rPr lang="en-US" dirty="0" smtClean="0"/>
+              <a:t>k8smaster</a:t>
+            </a:r>
+            <a:endParaRPr lang="en-US" dirty="0"/>
+          </a:p>
+        </p:txBody>
+      </p:sp>
+      <p:sp>
+        <p:nvSpPr>
+          <p:cNvPr id="4" name="Rectangle 3"/>
           <p:cNvSpPr/>
           <p:nvPr/>
         </p:nvSpPr>
         <p:spPr>
           <a:xfrm>
-            <a:off x="2057400" y="3162300"/>
-            <a:ext cx="6477000" cy="2209800"/>
+            <a:off x="6477000" y="647700"/>
+            <a:ext cx="1981200" cy="2971800"/>
           </a:xfrm>
           <a:prstGeom prst="rect">
             <a:avLst/>
@@ -8292,16 +8323,187 @@
       </p:sp>
       <p:sp>
         <p:nvSpPr>
-          <p:cNvPr id="4" name="Rectangle 3"/>
+          <p:cNvPr id="5" name="TextBox 4"/>
+          <p:cNvSpPr txBox="1"/>
+          <p:nvPr/>
+        </p:nvSpPr>
+        <p:spPr>
+          <a:xfrm>
+            <a:off x="6629400" y="3695700"/>
+            <a:ext cx="1093569" cy="369332"/>
+          </a:xfrm>
+          <a:prstGeom prst="rect">
+            <a:avLst/>
+          </a:prstGeom>
+          <a:noFill/>
+        </p:spPr>
+        <p:txBody>
+          <a:bodyPr wrap="none" rtlCol="0">
+            <a:spAutoFit/>
+          </a:bodyPr>
+          <a:lstStyle/>
+          <a:p>
+            <a:r>
+              <a:rPr lang="en-US" dirty="0" smtClean="0"/>
+              <a:t>k8snode1</a:t>
+            </a:r>
+            <a:endParaRPr lang="en-US" dirty="0"/>
+          </a:p>
+        </p:txBody>
+      </p:sp>
+      <p:sp>
+        <p:nvSpPr>
+          <p:cNvPr id="6" name="TextBox 5"/>
+          <p:cNvSpPr txBox="1"/>
+          <p:nvPr/>
+        </p:nvSpPr>
+        <p:spPr>
+          <a:xfrm>
+            <a:off x="3886200" y="952500"/>
+            <a:ext cx="1956241" cy="1200329"/>
+          </a:xfrm>
+          <a:prstGeom prst="rect">
+            <a:avLst/>
+          </a:prstGeom>
+          <a:noFill/>
+        </p:spPr>
+        <p:txBody>
+          <a:bodyPr wrap="none" rtlCol="0">
+            <a:spAutoFit/>
+          </a:bodyPr>
+          <a:lstStyle/>
+          <a:p>
+            <a:r>
+              <a:rPr lang="en-US" dirty="0" err="1" smtClean="0"/>
+              <a:t>Apiserver</a:t>
+            </a:r>
+            <a:endParaRPr lang="en-US" dirty="0" smtClean="0"/>
+          </a:p>
+          <a:p>
+            <a:r>
+              <a:rPr lang="en-US" dirty="0" err="1" smtClean="0"/>
+              <a:t>Kubelet</a:t>
+            </a:r>
+            <a:endParaRPr lang="en-US" dirty="0" smtClean="0"/>
+          </a:p>
+          <a:p>
+            <a:r>
+              <a:rPr lang="en-US" dirty="0" err="1" smtClean="0"/>
+              <a:t>Controllermanager</a:t>
+            </a:r>
+            <a:endParaRPr lang="en-US" dirty="0" smtClean="0"/>
+          </a:p>
+          <a:p>
+            <a:r>
+              <a:rPr lang="en-US" dirty="0" smtClean="0"/>
+              <a:t>scheduler</a:t>
+            </a:r>
+            <a:endParaRPr lang="en-US" dirty="0"/>
+          </a:p>
+        </p:txBody>
+      </p:sp>
+      <p:sp>
+        <p:nvSpPr>
+          <p:cNvPr id="7" name="TextBox 6"/>
+          <p:cNvSpPr txBox="1"/>
+          <p:nvPr/>
+        </p:nvSpPr>
+        <p:spPr>
+          <a:xfrm>
+            <a:off x="6477000" y="952500"/>
+            <a:ext cx="889026" cy="369332"/>
+          </a:xfrm>
+          <a:prstGeom prst="rect">
+            <a:avLst/>
+          </a:prstGeom>
+          <a:noFill/>
+        </p:spPr>
+        <p:txBody>
+          <a:bodyPr wrap="none" rtlCol="0">
+            <a:spAutoFit/>
+          </a:bodyPr>
+          <a:lstStyle/>
+          <a:p>
+            <a:r>
+              <a:rPr lang="en-US" dirty="0" err="1" smtClean="0"/>
+              <a:t>kubelet</a:t>
+            </a:r>
+            <a:endParaRPr lang="en-US" dirty="0"/>
+          </a:p>
+        </p:txBody>
+      </p:sp>
+      <p:sp>
+        <p:nvSpPr>
+          <p:cNvPr id="8" name="TextBox 7"/>
+          <p:cNvSpPr txBox="1"/>
+          <p:nvPr/>
+        </p:nvSpPr>
+        <p:spPr>
+          <a:xfrm>
+            <a:off x="3962400" y="3238500"/>
+            <a:ext cx="818429" cy="369332"/>
+          </a:xfrm>
+          <a:prstGeom prst="rect">
+            <a:avLst/>
+          </a:prstGeom>
+          <a:noFill/>
+        </p:spPr>
+        <p:txBody>
+          <a:bodyPr wrap="none" rtlCol="0">
+            <a:spAutoFit/>
+          </a:bodyPr>
+          <a:lstStyle/>
+          <a:p>
+            <a:r>
+              <a:rPr lang="en-US" dirty="0" err="1" smtClean="0"/>
+              <a:t>docker</a:t>
+            </a:r>
+            <a:endParaRPr lang="en-US" dirty="0"/>
+          </a:p>
+        </p:txBody>
+      </p:sp>
+      <p:sp>
+        <p:nvSpPr>
+          <p:cNvPr id="9" name="TextBox 8"/>
+          <p:cNvSpPr txBox="1"/>
+          <p:nvPr/>
+        </p:nvSpPr>
+        <p:spPr>
+          <a:xfrm>
+            <a:off x="6496771" y="3162300"/>
+            <a:ext cx="818429" cy="369332"/>
+          </a:xfrm>
+          <a:prstGeom prst="rect">
+            <a:avLst/>
+          </a:prstGeom>
+          <a:noFill/>
+        </p:spPr>
+        <p:txBody>
+          <a:bodyPr wrap="none" rtlCol="0">
+            <a:spAutoFit/>
+          </a:bodyPr>
+          <a:lstStyle/>
+          <a:p>
+            <a:r>
+              <a:rPr lang="en-US" smtClean="0"/>
+              <a:t>docker</a:t>
+            </a:r>
+            <a:endParaRPr lang="en-US" dirty="0"/>
+          </a:p>
+        </p:txBody>
+      </p:sp>
+      <p:sp>
+        <p:nvSpPr>
+          <p:cNvPr id="10" name="Cloud 9"/>
           <p:cNvSpPr/>
           <p:nvPr/>
         </p:nvSpPr>
         <p:spPr>
           <a:xfrm>
-            <a:off x="0" y="2019300"/>
-            <a:ext cx="533400" cy="1981200"/>
-          </a:xfrm>
-          <a:prstGeom prst="rect">
+            <a:off x="0" y="0"/>
+            <a:ext cx="1524000" cy="1943100"/>
+          </a:xfrm>
+          <a:prstGeom prst="cloud">
             <a:avLst/>
           </a:prstGeom>
         </p:spPr>
@@ -8327,170 +8529,54 @@
           <a:p>
             <a:pPr algn="ctr"/>
             <a:r>
-              <a:rPr lang="en-US" dirty="0" smtClean="0"/>
-              <a:t>Mast</a:t>
-            </a:r>
+              <a:rPr lang="en-US" dirty="0" err="1" smtClean="0"/>
+              <a:t>Github</a:t>
+            </a:r>
+            <a:endParaRPr lang="en-US" dirty="0" smtClean="0"/>
           </a:p>
           <a:p>
             <a:pPr algn="ctr"/>
             <a:r>
+              <a:rPr lang="en-US" dirty="0" smtClean="0"/>
+              <a:t>Code</a:t>
+            </a:r>
+          </a:p>
+          <a:p>
+            <a:pPr algn="ctr"/>
+            <a:r>
               <a:rPr lang="en-US" dirty="0" err="1" smtClean="0"/>
-              <a:t>er</a:t>
-            </a:r>
-            <a:endParaRPr lang="en-US" dirty="0"/>
-          </a:p>
-        </p:txBody>
-      </p:sp>
-      <p:sp>
-        <p:nvSpPr>
-          <p:cNvPr id="5" name="TextBox 4"/>
-          <p:cNvSpPr txBox="1"/>
-          <p:nvPr/>
-        </p:nvSpPr>
-        <p:spPr>
-          <a:xfrm>
-            <a:off x="2209800" y="0"/>
-            <a:ext cx="2385589" cy="369332"/>
+              <a:t>Dockerfile</a:t>
+            </a:r>
+            <a:endParaRPr lang="en-US" dirty="0" smtClean="0"/>
+          </a:p>
+          <a:p>
+            <a:pPr algn="ctr"/>
+            <a:r>
+              <a:rPr lang="en-US" dirty="0" smtClean="0"/>
+              <a:t>Dep.yml</a:t>
+            </a:r>
+          </a:p>
+          <a:p>
+            <a:pPr algn="ctr"/>
+            <a:endParaRPr lang="en-US" dirty="0"/>
+          </a:p>
+        </p:txBody>
+      </p:sp>
+      <p:sp>
+        <p:nvSpPr>
+          <p:cNvPr id="11" name="Rectangle 10"/>
+          <p:cNvSpPr/>
+          <p:nvPr/>
+        </p:nvSpPr>
+        <p:spPr>
+          <a:xfrm>
+            <a:off x="228600" y="2298680"/>
+            <a:ext cx="1981200" cy="2971800"/>
           </a:xfrm>
           <a:prstGeom prst="rect">
             <a:avLst/>
           </a:prstGeom>
           <a:noFill/>
-        </p:spPr>
-        <p:txBody>
-          <a:bodyPr wrap="none" rtlCol="0">
-            <a:spAutoFit/>
-          </a:bodyPr>
-          <a:lstStyle/>
-          <a:p>
-            <a:r>
-              <a:rPr lang="en-US" dirty="0" smtClean="0"/>
-              <a:t>Node1: 192.168.99.100</a:t>
-            </a:r>
-            <a:endParaRPr lang="en-US" dirty="0"/>
-          </a:p>
-        </p:txBody>
-      </p:sp>
-      <p:sp>
-        <p:nvSpPr>
-          <p:cNvPr id="6" name="TextBox 5"/>
-          <p:cNvSpPr txBox="1"/>
-          <p:nvPr/>
-        </p:nvSpPr>
-        <p:spPr>
-          <a:xfrm>
-            <a:off x="2133600" y="2857500"/>
-            <a:ext cx="2385589" cy="369332"/>
-          </a:xfrm>
-          <a:prstGeom prst="rect">
-            <a:avLst/>
-          </a:prstGeom>
-          <a:noFill/>
-        </p:spPr>
-        <p:txBody>
-          <a:bodyPr wrap="none" rtlCol="0">
-            <a:spAutoFit/>
-          </a:bodyPr>
-          <a:lstStyle/>
-          <a:p>
-            <a:r>
-              <a:rPr lang="en-US" dirty="0" smtClean="0"/>
-              <a:t>Node2: 192.168.99.101</a:t>
-            </a:r>
-            <a:endParaRPr lang="en-US" dirty="0"/>
-          </a:p>
-        </p:txBody>
-      </p:sp>
-      <p:sp>
-        <p:nvSpPr>
-          <p:cNvPr id="7" name="TextBox 6"/>
-          <p:cNvSpPr txBox="1"/>
-          <p:nvPr/>
-        </p:nvSpPr>
-        <p:spPr>
-          <a:xfrm>
-            <a:off x="7221668" y="342900"/>
-            <a:ext cx="1312732" cy="307777"/>
-          </a:xfrm>
-          <a:prstGeom prst="rect">
-            <a:avLst/>
-          </a:prstGeom>
-          <a:noFill/>
-        </p:spPr>
-        <p:txBody>
-          <a:bodyPr wrap="none" rtlCol="0">
-            <a:spAutoFit/>
-          </a:bodyPr>
-          <a:lstStyle/>
-          <a:p>
-            <a:r>
-              <a:rPr lang="en-US" sz="1400" dirty="0" err="1" smtClean="0"/>
-              <a:t>Docker</a:t>
-            </a:r>
-            <a:r>
-              <a:rPr lang="en-US" sz="1400" dirty="0" smtClean="0"/>
-              <a:t>, </a:t>
-            </a:r>
-            <a:r>
-              <a:rPr lang="en-US" sz="1400" dirty="0" err="1" smtClean="0"/>
-              <a:t>kubelet</a:t>
-            </a:r>
-            <a:endParaRPr lang="en-US" dirty="0"/>
-          </a:p>
-        </p:txBody>
-      </p:sp>
-      <p:sp>
-        <p:nvSpPr>
-          <p:cNvPr id="8" name="TextBox 7"/>
-          <p:cNvSpPr txBox="1"/>
-          <p:nvPr/>
-        </p:nvSpPr>
-        <p:spPr>
-          <a:xfrm>
-            <a:off x="7239000" y="3162300"/>
-            <a:ext cx="1312732" cy="307777"/>
-          </a:xfrm>
-          <a:prstGeom prst="rect">
-            <a:avLst/>
-          </a:prstGeom>
-          <a:noFill/>
-        </p:spPr>
-        <p:txBody>
-          <a:bodyPr wrap="none" rtlCol="0">
-            <a:spAutoFit/>
-          </a:bodyPr>
-          <a:lstStyle/>
-          <a:p>
-            <a:r>
-              <a:rPr lang="en-US" sz="1400" dirty="0" err="1" smtClean="0"/>
-              <a:t>Docker</a:t>
-            </a:r>
-            <a:r>
-              <a:rPr lang="en-US" sz="1400" dirty="0" smtClean="0"/>
-              <a:t>, </a:t>
-            </a:r>
-            <a:r>
-              <a:rPr lang="en-US" sz="1400" dirty="0" err="1" smtClean="0"/>
-              <a:t>kubelet</a:t>
-            </a:r>
-            <a:endParaRPr lang="en-US" dirty="0"/>
-          </a:p>
-        </p:txBody>
-      </p:sp>
-      <p:sp>
-        <p:nvSpPr>
-          <p:cNvPr id="9" name="Oval 8"/>
-          <p:cNvSpPr/>
-          <p:nvPr/>
-        </p:nvSpPr>
-        <p:spPr>
-          <a:xfrm>
-            <a:off x="5715000" y="952500"/>
-            <a:ext cx="1524000" cy="533400"/>
-          </a:xfrm>
-          <a:prstGeom prst="ellipse">
-            <a:avLst/>
-          </a:prstGeom>
         </p:spPr>
         <p:style>
           <a:lnRef idx="2">
@@ -8513,25 +8599,236 @@
           <a:lstStyle/>
           <a:p>
             <a:pPr algn="ctr"/>
-            <a:r>
-              <a:rPr lang="en-US" dirty="0" smtClean="0"/>
-              <a:t>Pod1</a:t>
-            </a:r>
-          </a:p>
-        </p:txBody>
-      </p:sp>
-      <p:sp>
-        <p:nvSpPr>
-          <p:cNvPr id="10" name="Oval 9"/>
+            <a:endParaRPr lang="en-US"/>
+          </a:p>
+        </p:txBody>
+      </p:sp>
+      <p:sp>
+        <p:nvSpPr>
+          <p:cNvPr id="12" name="TextBox 11"/>
+          <p:cNvSpPr txBox="1"/>
+          <p:nvPr/>
+        </p:nvSpPr>
+        <p:spPr>
+          <a:xfrm>
+            <a:off x="609600" y="1943100"/>
+            <a:ext cx="1516762" cy="369332"/>
+          </a:xfrm>
+          <a:prstGeom prst="rect">
+            <a:avLst/>
+          </a:prstGeom>
+          <a:noFill/>
+        </p:spPr>
+        <p:txBody>
+          <a:bodyPr wrap="none" rtlCol="0">
+            <a:spAutoFit/>
+          </a:bodyPr>
+          <a:lstStyle/>
+          <a:p>
+            <a:r>
+              <a:rPr lang="en-US" dirty="0" smtClean="0"/>
+              <a:t>Build machine</a:t>
+            </a:r>
+            <a:endParaRPr lang="en-US" dirty="0"/>
+          </a:p>
+        </p:txBody>
+      </p:sp>
+      <p:sp>
+        <p:nvSpPr>
+          <p:cNvPr id="13" name="TextBox 12"/>
+          <p:cNvSpPr txBox="1"/>
+          <p:nvPr/>
+        </p:nvSpPr>
+        <p:spPr>
+          <a:xfrm>
+            <a:off x="304800" y="2298680"/>
+            <a:ext cx="2819400" cy="3416320"/>
+          </a:xfrm>
+          <a:prstGeom prst="rect">
+            <a:avLst/>
+          </a:prstGeom>
+          <a:noFill/>
+        </p:spPr>
+        <p:txBody>
+          <a:bodyPr wrap="square" rtlCol="0">
+            <a:spAutoFit/>
+          </a:bodyPr>
+          <a:lstStyle/>
+          <a:p>
+            <a:pPr marL="342900" indent="-342900">
+              <a:buAutoNum type="arabicPeriod"/>
+            </a:pPr>
+            <a:r>
+              <a:rPr lang="en-US" dirty="0" smtClean="0"/>
+              <a:t>Java</a:t>
+            </a:r>
+          </a:p>
+          <a:p>
+            <a:pPr marL="342900" indent="-342900">
+              <a:buAutoNum type="arabicPeriod"/>
+            </a:pPr>
+            <a:r>
+              <a:rPr lang="en-US" dirty="0" smtClean="0"/>
+              <a:t>Jenkins</a:t>
+            </a:r>
+          </a:p>
+          <a:p>
+            <a:pPr marL="342900" indent="-342900">
+              <a:buAutoNum type="arabicPeriod"/>
+            </a:pPr>
+            <a:r>
+              <a:rPr lang="en-US" dirty="0" smtClean="0"/>
+              <a:t>Pull code</a:t>
+            </a:r>
+          </a:p>
+          <a:p>
+            <a:pPr marL="342900" indent="-342900">
+              <a:buAutoNum type="arabicPeriod"/>
+            </a:pPr>
+            <a:r>
+              <a:rPr lang="en-US" dirty="0" smtClean="0"/>
+              <a:t>Compile</a:t>
+            </a:r>
+          </a:p>
+          <a:p>
+            <a:pPr marL="342900" indent="-342900">
+              <a:buAutoNum type="arabicPeriod"/>
+            </a:pPr>
+            <a:r>
+              <a:rPr lang="en-US" dirty="0" err="1" smtClean="0"/>
+              <a:t>Docker</a:t>
+            </a:r>
+            <a:r>
+              <a:rPr lang="en-US" dirty="0" smtClean="0"/>
+              <a:t> image build </a:t>
+            </a:r>
+            <a:r>
+              <a:rPr lang="en-US" dirty="0" err="1" smtClean="0"/>
+              <a:t>Dockerfile</a:t>
+            </a:r>
+            <a:endParaRPr lang="en-US" dirty="0" smtClean="0"/>
+          </a:p>
+          <a:p>
+            <a:pPr marL="342900" indent="-342900">
+              <a:buAutoNum type="arabicPeriod"/>
+            </a:pPr>
+            <a:r>
+              <a:rPr lang="en-US" dirty="0" err="1" smtClean="0"/>
+              <a:t>Docker</a:t>
+            </a:r>
+            <a:r>
+              <a:rPr lang="en-US" dirty="0" smtClean="0"/>
+              <a:t> login</a:t>
+            </a:r>
+          </a:p>
+          <a:p>
+            <a:pPr marL="342900" indent="-342900">
+              <a:buAutoNum type="arabicPeriod"/>
+            </a:pPr>
+            <a:r>
+              <a:rPr lang="en-US" dirty="0" err="1" smtClean="0"/>
+              <a:t>Docker</a:t>
+            </a:r>
+            <a:r>
+              <a:rPr lang="en-US" dirty="0" smtClean="0"/>
+              <a:t> image push</a:t>
+            </a:r>
+          </a:p>
+          <a:p>
+            <a:pPr marL="342900" indent="-342900">
+              <a:buAutoNum type="arabicPeriod"/>
+            </a:pPr>
+            <a:r>
+              <a:rPr lang="en-US" dirty="0" err="1" smtClean="0"/>
+              <a:t>Kubectl</a:t>
+            </a:r>
+            <a:r>
+              <a:rPr lang="en-US" dirty="0" smtClean="0"/>
+              <a:t> apply –f dep.yml</a:t>
+            </a:r>
+          </a:p>
+          <a:p>
+            <a:pPr marL="342900" indent="-342900">
+              <a:buAutoNum type="arabicPeriod"/>
+            </a:pPr>
+            <a:endParaRPr lang="en-US" dirty="0" smtClean="0"/>
+          </a:p>
+          <a:p>
+            <a:pPr marL="342900" indent="-342900">
+              <a:buAutoNum type="arabicPeriod"/>
+            </a:pPr>
+            <a:endParaRPr lang="en-US" dirty="0" smtClean="0"/>
+          </a:p>
+          <a:p>
+            <a:pPr marL="342900" indent="-342900">
+              <a:buAutoNum type="arabicPeriod"/>
+            </a:pPr>
+            <a:endParaRPr lang="en-US" dirty="0"/>
+          </a:p>
+        </p:txBody>
+      </p:sp>
+      <p:sp>
+        <p:nvSpPr>
+          <p:cNvPr id="14" name="TextBox 13"/>
+          <p:cNvSpPr txBox="1"/>
+          <p:nvPr/>
+        </p:nvSpPr>
+        <p:spPr>
+          <a:xfrm>
+            <a:off x="533400" y="4988123"/>
+            <a:ext cx="1891480" cy="307777"/>
+          </a:xfrm>
+          <a:prstGeom prst="rect">
+            <a:avLst/>
+          </a:prstGeom>
+          <a:noFill/>
+        </p:spPr>
+        <p:txBody>
+          <a:bodyPr wrap="none" rtlCol="0">
+            <a:spAutoFit/>
+          </a:bodyPr>
+          <a:lstStyle/>
+          <a:p>
+            <a:r>
+              <a:rPr lang="en-US" sz="1400" dirty="0" err="1" smtClean="0"/>
+              <a:t>Docker</a:t>
+            </a:r>
+            <a:r>
+              <a:rPr lang="en-US" sz="1400" dirty="0" smtClean="0"/>
+              <a:t>, </a:t>
+            </a:r>
+            <a:r>
+              <a:rPr lang="en-US" sz="1400" dirty="0" err="1" smtClean="0"/>
+              <a:t>kubectl</a:t>
+            </a:r>
+            <a:r>
+              <a:rPr lang="en-US" sz="1400" dirty="0" smtClean="0"/>
+              <a:t> (</a:t>
+            </a:r>
+            <a:r>
+              <a:rPr lang="en-US" sz="1400" dirty="0" err="1" smtClean="0"/>
+              <a:t>config</a:t>
+            </a:r>
+            <a:r>
+              <a:rPr lang="en-US" sz="1400" dirty="0" smtClean="0"/>
+              <a:t>)</a:t>
+            </a:r>
+            <a:endParaRPr lang="en-US" dirty="0"/>
+          </a:p>
+        </p:txBody>
+      </p:sp>
+      <p:sp>
+        <p:nvSpPr>
+          <p:cNvPr id="15" name="Cloud 14"/>
           <p:cNvSpPr/>
           <p:nvPr/>
         </p:nvSpPr>
         <p:spPr>
           <a:xfrm>
-            <a:off x="5791200" y="3619500"/>
-            <a:ext cx="1524000" cy="533400"/>
-          </a:xfrm>
-          <a:prstGeom prst="ellipse">
+            <a:off x="1905000" y="266700"/>
+            <a:ext cx="1600200" cy="533400"/>
+          </a:xfrm>
+          <a:prstGeom prst="cloud">
             <a:avLst/>
           </a:prstGeom>
         </p:spPr>
@@ -8558,172 +8855,234 @@
             <a:pPr algn="ctr"/>
             <a:r>
               <a:rPr lang="en-US" dirty="0" smtClean="0"/>
-              <a:t>Pod2</a:t>
-            </a:r>
-          </a:p>
-        </p:txBody>
-      </p:sp>
-      <p:sp>
-        <p:nvSpPr>
-          <p:cNvPr id="11" name="TextBox 10"/>
-          <p:cNvSpPr txBox="1"/>
-          <p:nvPr/>
-        </p:nvSpPr>
-        <p:spPr>
-          <a:xfrm>
-            <a:off x="5791200" y="1409700"/>
-            <a:ext cx="1981200" cy="646331"/>
-          </a:xfrm>
-          <a:prstGeom prst="rect">
-            <a:avLst/>
-          </a:prstGeom>
-          <a:noFill/>
-        </p:spPr>
-        <p:txBody>
-          <a:bodyPr wrap="square" rtlCol="0">
-            <a:spAutoFit/>
-          </a:bodyPr>
-          <a:lstStyle/>
-          <a:p>
-            <a:r>
-              <a:rPr lang="en-US" dirty="0" smtClean="0"/>
-              <a:t>172.17.0.17</a:t>
-            </a:r>
-          </a:p>
-          <a:p>
-            <a:r>
-              <a:rPr lang="en-US" dirty="0" smtClean="0"/>
-              <a:t>1. ping 172.18.0.17</a:t>
-            </a:r>
-            <a:endParaRPr lang="en-US" dirty="0"/>
-          </a:p>
-        </p:txBody>
-      </p:sp>
-      <p:sp>
-        <p:nvSpPr>
-          <p:cNvPr id="12" name="TextBox 11"/>
-          <p:cNvSpPr txBox="1"/>
-          <p:nvPr/>
-        </p:nvSpPr>
-        <p:spPr>
-          <a:xfrm>
-            <a:off x="5943600" y="4152900"/>
-            <a:ext cx="1524000" cy="369332"/>
-          </a:xfrm>
-          <a:prstGeom prst="rect">
-            <a:avLst/>
-          </a:prstGeom>
-          <a:noFill/>
-        </p:spPr>
-        <p:txBody>
-          <a:bodyPr wrap="square" rtlCol="0">
-            <a:spAutoFit/>
-          </a:bodyPr>
-          <a:lstStyle/>
-          <a:p>
-            <a:r>
-              <a:rPr lang="en-US" dirty="0" smtClean="0"/>
-              <a:t>172.18.0.17</a:t>
-            </a:r>
-            <a:endParaRPr lang="en-US" dirty="0"/>
-          </a:p>
-        </p:txBody>
-      </p:sp>
-      <p:sp>
-        <p:nvSpPr>
-          <p:cNvPr id="13" name="TextBox 12"/>
-          <p:cNvSpPr txBox="1"/>
-          <p:nvPr/>
-        </p:nvSpPr>
-        <p:spPr>
-          <a:xfrm>
-            <a:off x="152400" y="266700"/>
-            <a:ext cx="1617622" cy="369332"/>
-          </a:xfrm>
-          <a:prstGeom prst="rect">
-            <a:avLst/>
-          </a:prstGeom>
-          <a:noFill/>
-        </p:spPr>
-        <p:txBody>
-          <a:bodyPr wrap="none" rtlCol="0">
-            <a:spAutoFit/>
-          </a:bodyPr>
-          <a:lstStyle/>
-          <a:p>
-            <a:r>
-              <a:rPr lang="en-US" dirty="0" smtClean="0"/>
-              <a:t>Pod-pod </a:t>
-            </a:r>
-            <a:r>
-              <a:rPr lang="en-US" dirty="0" err="1" smtClean="0"/>
-              <a:t>comm</a:t>
-            </a:r>
-            <a:endParaRPr lang="en-US" dirty="0"/>
-          </a:p>
-        </p:txBody>
-      </p:sp>
-      <p:sp>
-        <p:nvSpPr>
-          <p:cNvPr id="15" name="TextBox 14"/>
-          <p:cNvSpPr txBox="1"/>
-          <p:nvPr/>
-        </p:nvSpPr>
-        <p:spPr>
-          <a:xfrm>
-            <a:off x="2133600" y="1485900"/>
-            <a:ext cx="2864310" cy="738664"/>
-          </a:xfrm>
-          <a:prstGeom prst="rect">
-            <a:avLst/>
-          </a:prstGeom>
-          <a:noFill/>
-        </p:spPr>
-        <p:txBody>
-          <a:bodyPr wrap="none" rtlCol="0">
-            <a:spAutoFit/>
-          </a:bodyPr>
-          <a:lstStyle/>
-          <a:p>
-            <a:r>
-              <a:rPr lang="en-US" sz="1400" dirty="0" err="1" smtClean="0"/>
-              <a:t>Kube</a:t>
-            </a:r>
-            <a:r>
-              <a:rPr lang="en-US" sz="1400" dirty="0" smtClean="0"/>
-              <a:t>-proxy</a:t>
-            </a:r>
-          </a:p>
-          <a:p>
-            <a:r>
-              <a:rPr lang="en-US" sz="1400" dirty="0" smtClean="0"/>
-              <a:t>172.17.0.0  next hop 192.168.99.100</a:t>
-            </a:r>
-          </a:p>
-          <a:p>
-            <a:r>
-              <a:rPr lang="en-US" sz="1400" dirty="0" smtClean="0"/>
-              <a:t>172.18.0.0 next hop 192.168.99.101</a:t>
-            </a:r>
-            <a:endParaRPr lang="en-US" dirty="0"/>
-          </a:p>
-        </p:txBody>
-      </p:sp>
-      <p:sp>
-        <p:nvSpPr>
-          <p:cNvPr id="17" name="Cloud 16"/>
+              <a:t>Hub.docker.com</a:t>
+            </a:r>
+            <a:endParaRPr lang="en-US" dirty="0"/>
+          </a:p>
+        </p:txBody>
+      </p:sp>
+      <p:cxnSp>
+        <p:nvCxnSpPr>
+          <p:cNvPr id="17" name="Straight Arrow Connector 16"/>
+          <p:cNvCxnSpPr>
+            <a:endCxn id="15" idx="1"/>
+          </p:cNvCxnSpPr>
+          <p:nvPr/>
+        </p:nvCxnSpPr>
+        <p:spPr>
+          <a:xfrm flipV="1">
+            <a:off x="2286000" y="799532"/>
+            <a:ext cx="419100" cy="3505768"/>
+          </a:xfrm>
+          <a:prstGeom prst="straightConnector1">
+            <a:avLst/>
+          </a:prstGeom>
+          <a:ln>
+            <a:tailEnd type="arrow"/>
+          </a:ln>
+        </p:spPr>
+        <p:style>
+          <a:lnRef idx="1">
+            <a:schemeClr val="accent1"/>
+          </a:lnRef>
+          <a:fillRef idx="0">
+            <a:schemeClr val="accent1"/>
+          </a:fillRef>
+          <a:effectRef idx="0">
+            <a:schemeClr val="accent1"/>
+          </a:effectRef>
+          <a:fontRef idx="minor">
+            <a:schemeClr val="tx1"/>
+          </a:fontRef>
+        </p:style>
+      </p:cxnSp>
+      <p:cxnSp>
+        <p:nvCxnSpPr>
+          <p:cNvPr id="19" name="Straight Arrow Connector 18"/>
+          <p:cNvCxnSpPr/>
+          <p:nvPr/>
+        </p:nvCxnSpPr>
+        <p:spPr>
+          <a:xfrm flipV="1">
+            <a:off x="2971800" y="1104900"/>
+            <a:ext cx="990600" cy="3581400"/>
+          </a:xfrm>
+          <a:prstGeom prst="straightConnector1">
+            <a:avLst/>
+          </a:prstGeom>
+          <a:ln>
+            <a:tailEnd type="arrow"/>
+          </a:ln>
+        </p:spPr>
+        <p:style>
+          <a:lnRef idx="1">
+            <a:schemeClr val="accent1"/>
+          </a:lnRef>
+          <a:fillRef idx="0">
+            <a:schemeClr val="accent1"/>
+          </a:fillRef>
+          <a:effectRef idx="0">
+            <a:schemeClr val="accent1"/>
+          </a:effectRef>
+          <a:fontRef idx="minor">
+            <a:schemeClr val="tx1"/>
+          </a:fontRef>
+        </p:style>
+      </p:cxnSp>
+      <p:cxnSp>
+        <p:nvCxnSpPr>
+          <p:cNvPr id="21" name="Straight Arrow Connector 20"/>
+          <p:cNvCxnSpPr>
+            <a:stCxn id="9" idx="0"/>
+            <a:endCxn id="9" idx="0"/>
+          </p:cNvCxnSpPr>
+          <p:nvPr/>
+        </p:nvCxnSpPr>
+        <p:spPr>
+          <a:xfrm>
+            <a:off x="6905986" y="3162300"/>
+            <a:ext cx="0" cy="0"/>
+          </a:xfrm>
+          <a:prstGeom prst="straightConnector1">
+            <a:avLst/>
+          </a:prstGeom>
+          <a:ln>
+            <a:tailEnd type="arrow"/>
+          </a:ln>
+        </p:spPr>
+        <p:style>
+          <a:lnRef idx="1">
+            <a:schemeClr val="accent1"/>
+          </a:lnRef>
+          <a:fillRef idx="0">
+            <a:schemeClr val="accent1"/>
+          </a:fillRef>
+          <a:effectRef idx="0">
+            <a:schemeClr val="accent1"/>
+          </a:effectRef>
+          <a:fontRef idx="minor">
+            <a:schemeClr val="tx1"/>
+          </a:fontRef>
+        </p:style>
+      </p:cxnSp>
+      <p:cxnSp>
+        <p:nvCxnSpPr>
+          <p:cNvPr id="23" name="Straight Arrow Connector 22"/>
+          <p:cNvCxnSpPr>
+            <a:endCxn id="7" idx="1"/>
+          </p:cNvCxnSpPr>
+          <p:nvPr/>
+        </p:nvCxnSpPr>
+        <p:spPr>
+          <a:xfrm flipV="1">
+            <a:off x="4876800" y="1137166"/>
+            <a:ext cx="1600200" cy="805934"/>
+          </a:xfrm>
+          <a:prstGeom prst="straightConnector1">
+            <a:avLst/>
+          </a:prstGeom>
+          <a:ln>
+            <a:tailEnd type="arrow"/>
+          </a:ln>
+        </p:spPr>
+        <p:style>
+          <a:lnRef idx="1">
+            <a:schemeClr val="accent1"/>
+          </a:lnRef>
+          <a:fillRef idx="0">
+            <a:schemeClr val="accent1"/>
+          </a:fillRef>
+          <a:effectRef idx="0">
+            <a:schemeClr val="accent1"/>
+          </a:effectRef>
+          <a:fontRef idx="minor">
+            <a:schemeClr val="tx1"/>
+          </a:fontRef>
+        </p:style>
+      </p:cxnSp>
+      <p:cxnSp>
+        <p:nvCxnSpPr>
+          <p:cNvPr id="25" name="Straight Arrow Connector 24"/>
+          <p:cNvCxnSpPr>
+            <a:stCxn id="7" idx="2"/>
+            <a:endCxn id="9" idx="0"/>
+          </p:cNvCxnSpPr>
+          <p:nvPr/>
+        </p:nvCxnSpPr>
+        <p:spPr>
+          <a:xfrm flipH="1">
+            <a:off x="6905986" y="1321832"/>
+            <a:ext cx="15527" cy="1840468"/>
+          </a:xfrm>
+          <a:prstGeom prst="straightConnector1">
+            <a:avLst/>
+          </a:prstGeom>
+          <a:ln>
+            <a:tailEnd type="arrow"/>
+          </a:ln>
+        </p:spPr>
+        <p:style>
+          <a:lnRef idx="1">
+            <a:schemeClr val="accent1"/>
+          </a:lnRef>
+          <a:fillRef idx="0">
+            <a:schemeClr val="accent1"/>
+          </a:fillRef>
+          <a:effectRef idx="0">
+            <a:schemeClr val="accent1"/>
+          </a:effectRef>
+          <a:fontRef idx="minor">
+            <a:schemeClr val="tx1"/>
+          </a:fontRef>
+        </p:style>
+      </p:cxnSp>
+      <p:cxnSp>
+        <p:nvCxnSpPr>
+          <p:cNvPr id="27" name="Straight Arrow Connector 26"/>
+          <p:cNvCxnSpPr/>
+          <p:nvPr/>
+        </p:nvCxnSpPr>
+        <p:spPr>
+          <a:xfrm flipV="1">
+            <a:off x="7010400" y="2781300"/>
+            <a:ext cx="304800" cy="533400"/>
+          </a:xfrm>
+          <a:prstGeom prst="straightConnector1">
+            <a:avLst/>
+          </a:prstGeom>
+          <a:ln>
+            <a:tailEnd type="arrow"/>
+          </a:ln>
+        </p:spPr>
+        <p:style>
+          <a:lnRef idx="1">
+            <a:schemeClr val="accent1"/>
+          </a:lnRef>
+          <a:fillRef idx="0">
+            <a:schemeClr val="accent1"/>
+          </a:fillRef>
+          <a:effectRef idx="0">
+            <a:schemeClr val="accent1"/>
+          </a:effectRef>
+          <a:fontRef idx="minor">
+            <a:schemeClr val="tx1"/>
+          </a:fontRef>
+        </p:style>
+      </p:cxnSp>
+      <p:sp>
+        <p:nvSpPr>
+          <p:cNvPr id="28" name="Oval 27"/>
           <p:cNvSpPr/>
           <p:nvPr/>
         </p:nvSpPr>
         <p:spPr>
           <a:xfrm>
-            <a:off x="457200" y="1333500"/>
-            <a:ext cx="1752600" cy="3124200"/>
-          </a:xfrm>
-          <a:prstGeom prst="cloud">
-            <a:avLst/>
-          </a:prstGeom>
-          <a:noFill/>
+            <a:off x="7315200" y="2552700"/>
+            <a:ext cx="685800" cy="228600"/>
+          </a:xfrm>
+          <a:prstGeom prst="ellipse">
+            <a:avLst/>
+          </a:prstGeom>
         </p:spPr>
         <p:style>
           <a:lnRef idx="2">
@@ -8746,108 +9105,9 @@
           <a:lstStyle/>
           <a:p>
             <a:pPr algn="ctr"/>
-            <a:endParaRPr lang="en-US"/>
-          </a:p>
-        </p:txBody>
-      </p:sp>
-      <p:sp>
-        <p:nvSpPr>
-          <p:cNvPr id="19" name="TextBox 18"/>
-          <p:cNvSpPr txBox="1"/>
-          <p:nvPr/>
-        </p:nvSpPr>
-        <p:spPr>
-          <a:xfrm>
-            <a:off x="685801" y="952500"/>
-            <a:ext cx="1371600" cy="1477328"/>
-          </a:xfrm>
-          <a:prstGeom prst="rect">
-            <a:avLst/>
-          </a:prstGeom>
-          <a:noFill/>
-        </p:spPr>
-        <p:txBody>
-          <a:bodyPr wrap="square" rtlCol="0">
-            <a:spAutoFit/>
-          </a:bodyPr>
-          <a:lstStyle/>
-          <a:p>
-            <a:r>
-              <a:rPr lang="en-US" dirty="0" smtClean="0"/>
-              <a:t>Mesh n/w</a:t>
-            </a:r>
-          </a:p>
-          <a:p>
-            <a:r>
-              <a:rPr lang="en-US" dirty="0" smtClean="0"/>
-              <a:t>Flannel</a:t>
-            </a:r>
-          </a:p>
-          <a:p>
-            <a:r>
-              <a:rPr lang="en-US" dirty="0" smtClean="0"/>
-              <a:t>Cloud-weave - </a:t>
-            </a:r>
-            <a:r>
-              <a:rPr lang="en-US" dirty="0" err="1" smtClean="0"/>
-              <a:t>gc</a:t>
-            </a:r>
-            <a:endParaRPr lang="en-US" dirty="0" smtClean="0"/>
-          </a:p>
-          <a:p>
-            <a:r>
-              <a:rPr lang="en-US" dirty="0" smtClean="0"/>
-              <a:t>Calico - </a:t>
-            </a:r>
-            <a:r>
-              <a:rPr lang="en-US" dirty="0" err="1" smtClean="0"/>
-              <a:t>aws</a:t>
-            </a:r>
-            <a:endParaRPr lang="en-US" dirty="0"/>
-          </a:p>
-        </p:txBody>
-      </p:sp>
-      <p:sp>
-        <p:nvSpPr>
-          <p:cNvPr id="20" name="TextBox 19"/>
-          <p:cNvSpPr txBox="1"/>
-          <p:nvPr/>
-        </p:nvSpPr>
-        <p:spPr>
-          <a:xfrm>
-            <a:off x="2057400" y="4610100"/>
-            <a:ext cx="2864310" cy="738664"/>
-          </a:xfrm>
-          <a:prstGeom prst="rect">
-            <a:avLst/>
-          </a:prstGeom>
-          <a:noFill/>
-        </p:spPr>
-        <p:txBody>
-          <a:bodyPr wrap="none" rtlCol="0">
-            <a:spAutoFit/>
-          </a:bodyPr>
-          <a:lstStyle/>
-          <a:p>
-            <a:r>
-              <a:rPr lang="en-US" sz="1400" dirty="0" err="1" smtClean="0"/>
-              <a:t>Kube</a:t>
-            </a:r>
-            <a:r>
-              <a:rPr lang="en-US" sz="1400" dirty="0" smtClean="0"/>
-              <a:t>-proxy</a:t>
-            </a:r>
-          </a:p>
-          <a:p>
-            <a:r>
-              <a:rPr lang="en-US" sz="1400" dirty="0" smtClean="0"/>
-              <a:t>172.17.0.0  next hop 192.168.99.100</a:t>
-            </a:r>
-          </a:p>
-          <a:p>
-            <a:r>
-              <a:rPr lang="en-US" sz="1400" dirty="0" smtClean="0"/>
-              <a:t>172.18.0.0 next hop 192.168.99.101</a:t>
+            <a:r>
+              <a:rPr lang="en-US" dirty="0" smtClean="0"/>
+              <a:t>p</a:t>
             </a:r>
             <a:endParaRPr lang="en-US" dirty="0"/>
           </a:p>
@@ -8855,17 +9115,14 @@
       </p:sp>
       <p:cxnSp>
         <p:nvCxnSpPr>
-          <p:cNvPr id="22" name="Straight Arrow Connector 21"/>
-          <p:cNvCxnSpPr>
-            <a:stCxn id="9" idx="2"/>
-            <a:endCxn id="5" idx="2"/>
-          </p:cNvCxnSpPr>
+          <p:cNvPr id="29" name="Straight Arrow Connector 28"/>
+          <p:cNvCxnSpPr/>
           <p:nvPr/>
         </p:nvCxnSpPr>
         <p:spPr>
-          <a:xfrm flipH="1" flipV="1">
-            <a:off x="3402595" y="369332"/>
-            <a:ext cx="2312405" cy="849868"/>
+          <a:xfrm>
+            <a:off x="7162800" y="3314700"/>
+            <a:ext cx="304800" cy="0"/>
           </a:xfrm>
           <a:prstGeom prst="straightConnector1">
             <a:avLst/>
@@ -8891,29 +9148,43 @@
       </p:cxnSp>
       <p:sp>
         <p:nvSpPr>
-          <p:cNvPr id="23" name="TextBox 22"/>
-          <p:cNvSpPr txBox="1"/>
-          <p:nvPr/>
-        </p:nvSpPr>
-        <p:spPr>
-          <a:xfrm>
-            <a:off x="4419600" y="647700"/>
-            <a:ext cx="45719" cy="369332"/>
-          </a:xfrm>
-          <a:prstGeom prst="rect">
-            <a:avLst/>
-          </a:prstGeom>
-          <a:noFill/>
-        </p:spPr>
-        <p:txBody>
-          <a:bodyPr wrap="square" rtlCol="0">
-            <a:spAutoFit/>
-          </a:bodyPr>
-          <a:lstStyle/>
-          <a:p>
-            <a:r>
-              <a:rPr lang="en-US" dirty="0" smtClean="0"/>
-              <a:t>2</a:t>
+          <p:cNvPr id="30" name="Oval 29"/>
+          <p:cNvSpPr/>
+          <p:nvPr/>
+        </p:nvSpPr>
+        <p:spPr>
+          <a:xfrm>
+            <a:off x="7467600" y="3086100"/>
+            <a:ext cx="685800" cy="228600"/>
+          </a:xfrm>
+          <a:prstGeom prst="ellipse">
+            <a:avLst/>
+          </a:prstGeom>
+        </p:spPr>
+        <p:style>
+          <a:lnRef idx="2">
+            <a:schemeClr val="accent1">
+              <a:shade val="50000"/>
+            </a:schemeClr>
+          </a:lnRef>
+          <a:fillRef idx="1">
+            <a:schemeClr val="accent1"/>
+          </a:fillRef>
+          <a:effectRef idx="0">
+            <a:schemeClr val="accent1"/>
+          </a:effectRef>
+          <a:fontRef idx="minor">
+            <a:schemeClr val="lt1"/>
+          </a:fontRef>
+        </p:style>
+        <p:txBody>
+          <a:bodyPr rtlCol="0" anchor="ctr"/>
+          <a:lstStyle/>
+          <a:p>
+            <a:pPr algn="ctr"/>
+            <a:r>
+              <a:rPr lang="en-US" dirty="0" smtClean="0"/>
+              <a:t>p</a:t>
             </a:r>
             <a:endParaRPr lang="en-US" dirty="0"/>
           </a:p>
@@ -8921,16 +9192,14 @@
       </p:sp>
       <p:cxnSp>
         <p:nvCxnSpPr>
-          <p:cNvPr id="25" name="Straight Arrow Connector 24"/>
-          <p:cNvCxnSpPr>
-            <a:endCxn id="15" idx="0"/>
-          </p:cNvCxnSpPr>
+          <p:cNvPr id="33" name="Straight Arrow Connector 32"/>
+          <p:cNvCxnSpPr/>
           <p:nvPr/>
         </p:nvCxnSpPr>
         <p:spPr>
-          <a:xfrm>
-            <a:off x="3352800" y="419100"/>
-            <a:ext cx="212955" cy="1066800"/>
+          <a:xfrm flipH="1" flipV="1">
+            <a:off x="3124200" y="723900"/>
+            <a:ext cx="3505200" cy="2590800"/>
           </a:xfrm>
           <a:prstGeom prst="straightConnector1">
             <a:avLst/>
@@ -8954,168 +9223,6 @@
           </a:fontRef>
         </p:style>
       </p:cxnSp>
-      <p:cxnSp>
-        <p:nvCxnSpPr>
-          <p:cNvPr id="27" name="Straight Arrow Connector 26"/>
-          <p:cNvCxnSpPr>
-            <a:stCxn id="15" idx="2"/>
-            <a:endCxn id="6" idx="0"/>
-          </p:cNvCxnSpPr>
-          <p:nvPr/>
-        </p:nvCxnSpPr>
-        <p:spPr>
-          <a:xfrm flipH="1">
-            <a:off x="3326395" y="2224564"/>
-            <a:ext cx="239360" cy="632936"/>
-          </a:xfrm>
-          <a:prstGeom prst="straightConnector1">
-            <a:avLst/>
-          </a:prstGeom>
-          <a:ln>
-            <a:tailEnd type="arrow"/>
-          </a:ln>
-        </p:spPr>
-        <p:style>
-          <a:lnRef idx="1">
-            <a:schemeClr val="accent1"/>
-          </a:lnRef>
-          <a:fillRef idx="0">
-            <a:schemeClr val="accent1"/>
-          </a:fillRef>
-          <a:effectRef idx="0">
-            <a:schemeClr val="accent1"/>
-          </a:effectRef>
-          <a:fontRef idx="minor">
-            <a:schemeClr val="tx1"/>
-          </a:fontRef>
-        </p:style>
-      </p:cxnSp>
-      <p:cxnSp>
-        <p:nvCxnSpPr>
-          <p:cNvPr id="29" name="Straight Arrow Connector 28"/>
-          <p:cNvCxnSpPr>
-            <a:stCxn id="6" idx="2"/>
-            <a:endCxn id="10" idx="2"/>
-          </p:cNvCxnSpPr>
-          <p:nvPr/>
-        </p:nvCxnSpPr>
-        <p:spPr>
-          <a:xfrm>
-            <a:off x="3326395" y="3226832"/>
-            <a:ext cx="2464805" cy="659368"/>
-          </a:xfrm>
-          <a:prstGeom prst="straightConnector1">
-            <a:avLst/>
-          </a:prstGeom>
-          <a:ln>
-            <a:tailEnd type="arrow"/>
-          </a:ln>
-        </p:spPr>
-        <p:style>
-          <a:lnRef idx="1">
-            <a:schemeClr val="accent1"/>
-          </a:lnRef>
-          <a:fillRef idx="0">
-            <a:schemeClr val="accent1"/>
-          </a:fillRef>
-          <a:effectRef idx="0">
-            <a:schemeClr val="accent1"/>
-          </a:effectRef>
-          <a:fontRef idx="minor">
-            <a:schemeClr val="tx1"/>
-          </a:fontRef>
-        </p:style>
-      </p:cxnSp>
-      <p:sp>
-        <p:nvSpPr>
-          <p:cNvPr id="30" name="TextBox 29"/>
-          <p:cNvSpPr txBox="1"/>
-          <p:nvPr/>
-        </p:nvSpPr>
-        <p:spPr>
-          <a:xfrm>
-            <a:off x="3352800" y="952500"/>
-            <a:ext cx="301686" cy="369332"/>
-          </a:xfrm>
-          <a:prstGeom prst="rect">
-            <a:avLst/>
-          </a:prstGeom>
-          <a:noFill/>
-        </p:spPr>
-        <p:txBody>
-          <a:bodyPr wrap="none" rtlCol="0">
-            <a:spAutoFit/>
-          </a:bodyPr>
-          <a:lstStyle/>
-          <a:p>
-            <a:r>
-              <a:rPr lang="en-US" dirty="0" smtClean="0"/>
-              <a:t>3</a:t>
-            </a:r>
-            <a:endParaRPr lang="en-US" dirty="0"/>
-          </a:p>
-        </p:txBody>
-      </p:sp>
-      <p:sp>
-        <p:nvSpPr>
-          <p:cNvPr id="31" name="TextBox 30"/>
-          <p:cNvSpPr txBox="1"/>
-          <p:nvPr/>
-        </p:nvSpPr>
-        <p:spPr>
-          <a:xfrm>
-            <a:off x="3352800" y="2335768"/>
-            <a:ext cx="301686" cy="369332"/>
-          </a:xfrm>
-          <a:prstGeom prst="rect">
-            <a:avLst/>
-          </a:prstGeom>
-          <a:noFill/>
-        </p:spPr>
-        <p:txBody>
-          <a:bodyPr wrap="none" rtlCol="0">
-            <a:spAutoFit/>
-          </a:bodyPr>
-          <a:lstStyle/>
-          <a:p>
-            <a:r>
-              <a:rPr lang="en-US" dirty="0" smtClean="0"/>
-              <a:t>4</a:t>
-            </a:r>
-            <a:endParaRPr lang="en-US" dirty="0"/>
-          </a:p>
-        </p:txBody>
-      </p:sp>
-      <p:sp>
-        <p:nvSpPr>
-          <p:cNvPr id="32" name="TextBox 31"/>
-          <p:cNvSpPr txBox="1"/>
-          <p:nvPr/>
-        </p:nvSpPr>
-        <p:spPr>
-          <a:xfrm>
-            <a:off x="4270314" y="3250168"/>
-            <a:ext cx="301686" cy="369332"/>
-          </a:xfrm>
-          <a:prstGeom prst="rect">
-            <a:avLst/>
-          </a:prstGeom>
-          <a:noFill/>
-        </p:spPr>
-        <p:txBody>
-          <a:bodyPr wrap="none" rtlCol="0">
-            <a:spAutoFit/>
-          </a:bodyPr>
-          <a:lstStyle/>
-          <a:p>
-            <a:r>
-              <a:rPr lang="en-US" dirty="0" smtClean="0"/>
-              <a:t>5</a:t>
-            </a:r>
-            <a:endParaRPr lang="en-US" dirty="0"/>
-          </a:p>
-        </p:txBody>
-      </p:sp>
     </p:spTree>
   </p:cSld>
   <p:clrMapOvr>
@@ -9491,7 +9598,7 @@
             <a:pPr algn="ctr"/>
             <a:r>
               <a:rPr lang="en-US" dirty="0" smtClean="0"/>
-              <a:t>Db:3306</a:t>
+              <a:t>Pod2</a:t>
             </a:r>
           </a:p>
         </p:txBody>
@@ -9504,8 +9611,8 @@
         </p:nvSpPr>
         <p:spPr>
           <a:xfrm>
-            <a:off x="5791200" y="1333500"/>
-            <a:ext cx="3352800" cy="1200329"/>
+            <a:off x="5791200" y="1409700"/>
+            <a:ext cx="1981200" cy="646331"/>
           </a:xfrm>
           <a:prstGeom prst="rect">
             <a:avLst/>
@@ -9524,47 +9631,11 @@
             </a:r>
           </a:p>
           <a:p>
-            <a:pPr marL="342900" indent="-342900">
-              <a:buAutoNum type="arabicPeriod"/>
-            </a:pPr>
-            <a:r>
-              <a:rPr lang="en-US" dirty="0" err="1" smtClean="0"/>
-              <a:t>Jdbc</a:t>
-            </a:r>
-            <a:r>
-              <a:rPr lang="en-US" dirty="0" smtClean="0"/>
-              <a:t> : db-svc:8888</a:t>
-            </a:r>
-          </a:p>
-          <a:p>
-            <a:pPr marL="342900" indent="-342900">
-              <a:buAutoNum type="arabicPeriod"/>
-            </a:pPr>
-            <a:r>
-              <a:rPr lang="en-US" dirty="0" smtClean="0"/>
-              <a:t>/etc/</a:t>
-            </a:r>
-            <a:r>
-              <a:rPr lang="en-US" dirty="0" err="1" smtClean="0"/>
-              <a:t>resolv.conf</a:t>
-            </a:r>
-            <a:r>
-              <a:rPr lang="en-US" dirty="0" smtClean="0"/>
-              <a:t>: 10.96.0.10</a:t>
-            </a:r>
-          </a:p>
-          <a:p>
-            <a:pPr marL="342900" indent="-342900">
-              <a:buAutoNum type="arabicPeriod"/>
-            </a:pPr>
-            <a:r>
-              <a:rPr lang="en-US" dirty="0" err="1" smtClean="0"/>
-              <a:t>Jdbc</a:t>
-            </a:r>
-            <a:r>
-              <a:rPr lang="en-US" dirty="0" smtClean="0"/>
-              <a:t>: 10.201.34.45:8888</a:t>
-            </a:r>
+            <a:r>
+              <a:rPr lang="en-US" dirty="0" smtClean="0"/>
+              <a:t>1. ping 172.18.0.17</a:t>
+            </a:r>
+            <a:endParaRPr lang="en-US" dirty="0"/>
           </a:p>
         </p:txBody>
       </p:sp>
@@ -9634,14 +9705,14 @@
       </p:sp>
       <p:sp>
         <p:nvSpPr>
-          <p:cNvPr id="14" name="TextBox 13"/>
+          <p:cNvPr id="15" name="TextBox 14"/>
           <p:cNvSpPr txBox="1"/>
           <p:nvPr/>
         </p:nvSpPr>
         <p:spPr>
           <a:xfrm>
-            <a:off x="2133600" y="1598593"/>
-            <a:ext cx="5088188" cy="1169551"/>
+            <a:off x="2133600" y="1485900"/>
+            <a:ext cx="2864310" cy="738664"/>
           </a:xfrm>
           <a:prstGeom prst="rect">
             <a:avLst/>
@@ -9674,33 +9745,13 @@
               <a:rPr lang="en-US" sz="1400" dirty="0" smtClean="0"/>
               <a:t>172.18.0.0 next hop 192.168.99.101</a:t>
             </a:r>
-          </a:p>
-          <a:p>
-            <a:r>
-              <a:rPr lang="en-US" sz="1400" dirty="0" smtClean="0"/>
-              <a:t>10.201.34.45:8888 – revlook</a:t>
-            </a:r>
-            <a:r>
-              <a:rPr lang="en-US" sz="1400" dirty="0" smtClean="0">
-                <a:sym typeface="Wingdings" pitchFamily="2" charset="2"/>
-              </a:rPr>
-              <a:t>172.18.0.17:3306, 172.18.0.18:3306</a:t>
-            </a:r>
-          </a:p>
-          <a:p>
-            <a:r>
-              <a:rPr lang="en-US" sz="1400" dirty="0" smtClean="0">
-                <a:sym typeface="Wingdings" pitchFamily="2" charset="2"/>
-              </a:rPr>
-              <a:t>10.96.0.10:53  172.18.0.12:53</a:t>
-            </a:r>
-            <a:endParaRPr lang="en-US" dirty="0"/>
-          </a:p>
-        </p:txBody>
-      </p:sp>
-      <p:sp>
-        <p:nvSpPr>
-          <p:cNvPr id="15" name="Cloud 14"/>
+            <a:endParaRPr lang="en-US" dirty="0"/>
+          </a:p>
+        </p:txBody>
+      </p:sp>
+      <p:sp>
+        <p:nvSpPr>
+          <p:cNvPr id="17" name="Cloud 16"/>
           <p:cNvSpPr/>
           <p:nvPr/>
         </p:nvSpPr>
@@ -9741,7 +9792,7 @@
       </p:sp>
       <p:sp>
         <p:nvSpPr>
-          <p:cNvPr id="16" name="TextBox 15"/>
+          <p:cNvPr id="19" name="TextBox 18"/>
           <p:cNvSpPr txBox="1"/>
           <p:nvPr/>
         </p:nvSpPr>
@@ -9798,14 +9849,96 @@
       </p:sp>
       <p:sp>
         <p:nvSpPr>
-          <p:cNvPr id="17" name="TextBox 16"/>
+          <p:cNvPr id="20" name="TextBox 19"/>
           <p:cNvSpPr txBox="1"/>
           <p:nvPr/>
         </p:nvSpPr>
         <p:spPr>
           <a:xfrm>
             <a:off x="2057400" y="4610100"/>
-            <a:ext cx="5562600" cy="1231106"/>
+            <a:ext cx="2864310" cy="738664"/>
+          </a:xfrm>
+          <a:prstGeom prst="rect">
+            <a:avLst/>
+          </a:prstGeom>
+          <a:noFill/>
+        </p:spPr>
+        <p:txBody>
+          <a:bodyPr wrap="none" rtlCol="0">
+            <a:spAutoFit/>
+          </a:bodyPr>
+          <a:lstStyle/>
+          <a:p>
+            <a:r>
+              <a:rPr lang="en-US" sz="1400" dirty="0" err="1" smtClean="0"/>
+              <a:t>Kube</a:t>
+            </a:r>
+            <a:r>
+              <a:rPr lang="en-US" sz="1400" dirty="0" smtClean="0"/>
+              <a:t>-proxy</a:t>
+            </a:r>
+          </a:p>
+          <a:p>
+            <a:r>
+              <a:rPr lang="en-US" sz="1400" dirty="0" smtClean="0"/>
+              <a:t>172.17.0.0  next hop 192.168.99.100</a:t>
+            </a:r>
+          </a:p>
+          <a:p>
+            <a:r>
+              <a:rPr lang="en-US" sz="1400" dirty="0" smtClean="0"/>
+              <a:t>172.18.0.0 next hop 192.168.99.101</a:t>
+            </a:r>
+            <a:endParaRPr lang="en-US" dirty="0"/>
+          </a:p>
+        </p:txBody>
+      </p:sp>
+      <p:cxnSp>
+        <p:nvCxnSpPr>
+          <p:cNvPr id="22" name="Straight Arrow Connector 21"/>
+          <p:cNvCxnSpPr>
+            <a:stCxn id="9" idx="2"/>
+            <a:endCxn id="5" idx="2"/>
+          </p:cNvCxnSpPr>
+          <p:nvPr/>
+        </p:nvCxnSpPr>
+        <p:spPr>
+          <a:xfrm flipH="1" flipV="1">
+            <a:off x="3402595" y="369332"/>
+            <a:ext cx="2312405" cy="849868"/>
+          </a:xfrm>
+          <a:prstGeom prst="straightConnector1">
+            <a:avLst/>
+          </a:prstGeom>
+          <a:ln>
+            <a:tailEnd type="arrow"/>
+          </a:ln>
+        </p:spPr>
+        <p:style>
+          <a:lnRef idx="1">
+            <a:schemeClr val="accent1"/>
+          </a:lnRef>
+          <a:fillRef idx="0">
+            <a:schemeClr val="accent1"/>
+          </a:fillRef>
+          <a:effectRef idx="0">
+            <a:schemeClr val="accent1"/>
+          </a:effectRef>
+          <a:fontRef idx="minor">
+            <a:schemeClr val="tx1"/>
+          </a:fontRef>
+        </p:style>
+      </p:cxnSp>
+      <p:sp>
+        <p:nvSpPr>
+          <p:cNvPr id="23" name="TextBox 22"/>
+          <p:cNvSpPr txBox="1"/>
+          <p:nvPr/>
+        </p:nvSpPr>
+        <p:spPr>
+          <a:xfrm>
+            <a:off x="4419600" y="647700"/>
+            <a:ext cx="45719" cy="369332"/>
           </a:xfrm>
           <a:prstGeom prst="rect">
             <a:avLst/>
@@ -9819,60 +9952,61 @@
           <a:lstStyle/>
           <a:p>
             <a:r>
-              <a:rPr lang="en-US" sz="1400" dirty="0" err="1" smtClean="0"/>
-              <a:t>Kube</a:t>
-            </a:r>
-            <a:r>
-              <a:rPr lang="en-US" sz="1400" dirty="0" smtClean="0"/>
-              <a:t>-proxy</a:t>
-            </a:r>
-          </a:p>
-          <a:p>
-            <a:r>
-              <a:rPr lang="en-US" sz="1400" dirty="0" smtClean="0"/>
-              <a:t>172.17.0.0  next hop 192.168.99.100</a:t>
-            </a:r>
-          </a:p>
-          <a:p>
-            <a:r>
-              <a:rPr lang="en-US" sz="1400" dirty="0" smtClean="0"/>
-              <a:t>172.18.0.0 next hop 192.168.99.101</a:t>
-            </a:r>
-          </a:p>
-          <a:p>
-            <a:r>
-              <a:rPr lang="en-US" sz="1400" dirty="0" smtClean="0"/>
-              <a:t>10.201.34.45:8888 – revlook</a:t>
-            </a:r>
-            <a:r>
-              <a:rPr lang="en-US" sz="1400" dirty="0" smtClean="0">
-                <a:sym typeface="Wingdings" pitchFamily="2" charset="2"/>
-              </a:rPr>
-              <a:t></a:t>
-            </a:r>
-            <a:r>
-              <a:rPr lang="en-US" sz="1400" dirty="0" smtClean="0">
-                <a:sym typeface="Wingdings" pitchFamily="2" charset="2"/>
-              </a:rPr>
-              <a:t>172.18.0.17:3306, 172.18.0.18:3306</a:t>
-            </a:r>
-            <a:endParaRPr lang="en-US" sz="1400" dirty="0" smtClean="0"/>
-          </a:p>
-          <a:p>
-            <a:endParaRPr lang="en-US" dirty="0"/>
-          </a:p>
-        </p:txBody>
-      </p:sp>
+              <a:rPr lang="en-US" dirty="0" smtClean="0"/>
+              <a:t>2</a:t>
+            </a:r>
+            <a:endParaRPr lang="en-US" dirty="0"/>
+          </a:p>
+        </p:txBody>
+      </p:sp>
+      <p:cxnSp>
+        <p:nvCxnSpPr>
+          <p:cNvPr id="25" name="Straight Arrow Connector 24"/>
+          <p:cNvCxnSpPr>
+            <a:endCxn id="15" idx="0"/>
+          </p:cNvCxnSpPr>
+          <p:nvPr/>
+        </p:nvCxnSpPr>
+        <p:spPr>
+          <a:xfrm>
+            <a:off x="3352800" y="419100"/>
+            <a:ext cx="212955" cy="1066800"/>
+          </a:xfrm>
+          <a:prstGeom prst="straightConnector1">
+            <a:avLst/>
+          </a:prstGeom>
+          <a:ln>
+            <a:tailEnd type="arrow"/>
+          </a:ln>
+        </p:spPr>
+        <p:style>
+          <a:lnRef idx="1">
+            <a:schemeClr val="accent1"/>
+          </a:lnRef>
+          <a:fillRef idx="0">
+            <a:schemeClr val="accent1"/>
+          </a:fillRef>
+          <a:effectRef idx="0">
+            <a:schemeClr val="accent1"/>
+          </a:effectRef>
+          <a:fontRef idx="minor">
+            <a:schemeClr val="tx1"/>
+          </a:fontRef>
+        </p:style>
+      </p:cxnSp>
       <p:cxnSp>
         <p:nvCxnSpPr>
           <p:cNvPr id="27" name="Straight Arrow Connector 26"/>
-          <p:cNvCxnSpPr/>
+          <p:cNvCxnSpPr>
+            <a:stCxn id="15" idx="2"/>
+            <a:endCxn id="6" idx="0"/>
+          </p:cNvCxnSpPr>
           <p:nvPr/>
         </p:nvCxnSpPr>
         <p:spPr>
-          <a:xfrm flipV="1">
-            <a:off x="7162800" y="1028700"/>
-            <a:ext cx="1066800" cy="838200"/>
+          <a:xfrm flipH="1">
+            <a:off x="3326395" y="2224564"/>
+            <a:ext cx="239360" cy="632936"/>
           </a:xfrm>
           <a:prstGeom prst="straightConnector1">
             <a:avLst/>
@@ -9896,60 +10030,19 @@
           </a:fontRef>
         </p:style>
       </p:cxnSp>
-      <p:sp>
-        <p:nvSpPr>
-          <p:cNvPr id="28" name="Oval 27"/>
-          <p:cNvSpPr/>
-          <p:nvPr/>
-        </p:nvSpPr>
-        <p:spPr>
-          <a:xfrm>
-            <a:off x="8077200" y="647700"/>
-            <a:ext cx="1066800" cy="381000"/>
-          </a:xfrm>
-          <a:prstGeom prst="ellipse">
-            <a:avLst/>
-          </a:prstGeom>
-        </p:spPr>
-        <p:style>
-          <a:lnRef idx="2">
-            <a:schemeClr val="accent1">
-              <a:shade val="50000"/>
-            </a:schemeClr>
-          </a:lnRef>
-          <a:fillRef idx="1">
-            <a:schemeClr val="accent1"/>
-          </a:fillRef>
-          <a:effectRef idx="0">
-            <a:schemeClr val="accent1"/>
-          </a:effectRef>
-          <a:fontRef idx="minor">
-            <a:schemeClr val="lt1"/>
-          </a:fontRef>
-        </p:style>
-        <p:txBody>
-          <a:bodyPr rtlCol="0" anchor="ctr"/>
-          <a:lstStyle/>
-          <a:p>
-            <a:pPr algn="ctr"/>
-            <a:r>
-              <a:rPr lang="en-US" dirty="0" err="1" smtClean="0"/>
-              <a:t>dns</a:t>
-            </a:r>
-            <a:endParaRPr lang="en-US" dirty="0"/>
-          </a:p>
-        </p:txBody>
-      </p:sp>
       <p:cxnSp>
         <p:nvCxnSpPr>
-          <p:cNvPr id="30" name="Straight Arrow Connector 29"/>
-          <p:cNvCxnSpPr/>
+          <p:cNvPr id="29" name="Straight Arrow Connector 28"/>
+          <p:cNvCxnSpPr>
+            <a:stCxn id="6" idx="2"/>
+            <a:endCxn id="10" idx="2"/>
+          </p:cNvCxnSpPr>
           <p:nvPr/>
         </p:nvCxnSpPr>
         <p:spPr>
-          <a:xfrm flipH="1">
-            <a:off x="7315200" y="1181100"/>
-            <a:ext cx="1219200" cy="762000"/>
+          <a:xfrm>
+            <a:off x="3326395" y="3226832"/>
+            <a:ext cx="2464805" cy="659368"/>
           </a:xfrm>
           <a:prstGeom prst="straightConnector1">
             <a:avLst/>
@@ -9973,51 +10066,15 @@
           </a:fontRef>
         </p:style>
       </p:cxnSp>
-      <p:cxnSp>
-        <p:nvCxnSpPr>
-          <p:cNvPr id="32" name="Straight Arrow Connector 31"/>
-          <p:cNvCxnSpPr>
-            <a:stCxn id="9" idx="1"/>
-            <a:endCxn id="5" idx="2"/>
-          </p:cNvCxnSpPr>
-          <p:nvPr/>
-        </p:nvCxnSpPr>
-        <p:spPr>
-          <a:xfrm flipH="1" flipV="1">
-            <a:off x="3402595" y="369332"/>
-            <a:ext cx="2535590" cy="661283"/>
-          </a:xfrm>
-          <a:prstGeom prst="straightConnector1">
-            <a:avLst/>
-          </a:prstGeom>
-          <a:ln>
-            <a:tailEnd type="arrow"/>
-          </a:ln>
-        </p:spPr>
-        <p:style>
-          <a:lnRef idx="1">
-            <a:schemeClr val="accent1"/>
-          </a:lnRef>
-          <a:fillRef idx="0">
-            <a:schemeClr val="accent1"/>
-          </a:fillRef>
-          <a:effectRef idx="0">
-            <a:schemeClr val="accent1"/>
-          </a:effectRef>
-          <a:fontRef idx="minor">
-            <a:schemeClr val="tx1"/>
-          </a:fontRef>
-        </p:style>
-      </p:cxnSp>
-      <p:sp>
-        <p:nvSpPr>
-          <p:cNvPr id="33" name="TextBox 32"/>
+      <p:sp>
+        <p:nvSpPr>
+          <p:cNvPr id="30" name="TextBox 29"/>
           <p:cNvSpPr txBox="1"/>
           <p:nvPr/>
         </p:nvSpPr>
         <p:spPr>
           <a:xfrm>
-            <a:off x="4648200" y="571500"/>
+            <a:off x="3352800" y="952500"/>
             <a:ext cx="301686" cy="369332"/>
           </a:xfrm>
           <a:prstGeom prst="rect">
@@ -10039,82 +10096,16 @@
           </a:p>
         </p:txBody>
       </p:sp>
-      <p:cxnSp>
-        <p:nvCxnSpPr>
-          <p:cNvPr id="35" name="Straight Arrow Connector 34"/>
-          <p:cNvCxnSpPr/>
-          <p:nvPr/>
-        </p:nvCxnSpPr>
-        <p:spPr>
-          <a:xfrm flipH="1" flipV="1">
-            <a:off x="1600200" y="190500"/>
-            <a:ext cx="838200" cy="228600"/>
-          </a:xfrm>
-          <a:prstGeom prst="straightConnector1">
-            <a:avLst/>
-          </a:prstGeom>
-          <a:ln>
-            <a:tailEnd type="arrow"/>
-          </a:ln>
-        </p:spPr>
-        <p:style>
-          <a:lnRef idx="1">
-            <a:schemeClr val="accent1"/>
-          </a:lnRef>
-          <a:fillRef idx="0">
-            <a:schemeClr val="accent1"/>
-          </a:fillRef>
-          <a:effectRef idx="0">
-            <a:schemeClr val="accent1"/>
-          </a:effectRef>
-          <a:fontRef idx="minor">
-            <a:schemeClr val="tx1"/>
-          </a:fontRef>
-        </p:style>
-      </p:cxnSp>
-      <p:cxnSp>
-        <p:nvCxnSpPr>
-          <p:cNvPr id="37" name="Straight Arrow Connector 36"/>
-          <p:cNvCxnSpPr/>
-          <p:nvPr/>
-        </p:nvCxnSpPr>
-        <p:spPr>
-          <a:xfrm>
-            <a:off x="1905000" y="266700"/>
-            <a:ext cx="838200" cy="1371600"/>
-          </a:xfrm>
-          <a:prstGeom prst="straightConnector1">
-            <a:avLst/>
-          </a:prstGeom>
-          <a:ln>
-            <a:tailEnd type="arrow"/>
-          </a:ln>
-        </p:spPr>
-        <p:style>
-          <a:lnRef idx="1">
-            <a:schemeClr val="accent1"/>
-          </a:lnRef>
-          <a:fillRef idx="0">
-            <a:schemeClr val="accent1"/>
-          </a:fillRef>
-          <a:effectRef idx="0">
-            <a:schemeClr val="accent1"/>
-          </a:effectRef>
-          <a:fontRef idx="minor">
-            <a:schemeClr val="tx1"/>
-          </a:fontRef>
-        </p:style>
-      </p:cxnSp>
-      <p:sp>
-        <p:nvSpPr>
-          <p:cNvPr id="38" name="TextBox 37"/>
+      <p:sp>
+        <p:nvSpPr>
+          <p:cNvPr id="31" name="TextBox 30"/>
           <p:cNvSpPr txBox="1"/>
           <p:nvPr/>
         </p:nvSpPr>
         <p:spPr>
           <a:xfrm>
-            <a:off x="2057400" y="723900"/>
-            <a:ext cx="1964256" cy="369332"/>
+            <a:off x="3352800" y="2335768"/>
+            <a:ext cx="301686" cy="369332"/>
           </a:xfrm>
           <a:prstGeom prst="rect">
             <a:avLst/>
@@ -10129,29 +10120,21 @@
           <a:p>
             <a:r>
               <a:rPr lang="en-US" dirty="0" smtClean="0"/>
-              <a:t>5. </a:t>
-            </a:r>
-            <a:r>
-              <a:rPr lang="en-US" dirty="0" err="1" smtClean="0"/>
-              <a:t>inflight</a:t>
-            </a:r>
-            <a:r>
-              <a:rPr lang="en-US" dirty="0" smtClean="0"/>
-              <a:t>-snagging</a:t>
-            </a:r>
-            <a:endParaRPr lang="en-US" dirty="0"/>
-          </a:p>
-        </p:txBody>
-      </p:sp>
-      <p:sp>
-        <p:nvSpPr>
-          <p:cNvPr id="39" name="TextBox 38"/>
+              <a:t>4</a:t>
+            </a:r>
+            <a:endParaRPr lang="en-US" dirty="0"/>
+          </a:p>
+        </p:txBody>
+      </p:sp>
+      <p:sp>
+        <p:nvSpPr>
+          <p:cNvPr id="32" name="TextBox 31"/>
           <p:cNvSpPr txBox="1"/>
           <p:nvPr/>
         </p:nvSpPr>
         <p:spPr>
           <a:xfrm>
-            <a:off x="1828800" y="38100"/>
+            <a:off x="4270314" y="3250168"/>
             <a:ext cx="301686" cy="369332"/>
           </a:xfrm>
           <a:prstGeom prst="rect">
@@ -10167,252 +10150,7 @@
           <a:p>
             <a:r>
               <a:rPr lang="en-US" dirty="0" smtClean="0"/>
-              <a:t>4</a:t>
-            </a:r>
-            <a:endParaRPr lang="en-US" dirty="0"/>
-          </a:p>
-        </p:txBody>
-      </p:sp>
-      <p:sp>
-        <p:nvSpPr>
-          <p:cNvPr id="42" name="TextBox 41"/>
-          <p:cNvSpPr txBox="1"/>
-          <p:nvPr/>
-        </p:nvSpPr>
-        <p:spPr>
-          <a:xfrm>
-            <a:off x="2971800" y="1116568"/>
-            <a:ext cx="2844561" cy="646331"/>
-          </a:xfrm>
-          <a:prstGeom prst="rect">
-            <a:avLst/>
-          </a:prstGeom>
-          <a:noFill/>
-        </p:spPr>
-        <p:txBody>
-          <a:bodyPr wrap="none" rtlCol="0">
-            <a:spAutoFit/>
-          </a:bodyPr>
-          <a:lstStyle/>
-          <a:p>
-            <a:r>
-              <a:rPr lang="en-US" dirty="0" smtClean="0"/>
-              <a:t>6. </a:t>
-            </a:r>
-            <a:r>
-              <a:rPr lang="en-US" dirty="0" err="1" smtClean="0"/>
-              <a:t>Kubeproxy</a:t>
-            </a:r>
-            <a:r>
-              <a:rPr lang="en-US" dirty="0" smtClean="0"/>
-              <a:t> reverse lookup</a:t>
-            </a:r>
-          </a:p>
-          <a:p>
-            <a:r>
-              <a:rPr lang="en-US" dirty="0" smtClean="0"/>
-              <a:t>7. 172.18.0.17:3306</a:t>
-            </a:r>
-            <a:endParaRPr lang="en-US" dirty="0"/>
-          </a:p>
-        </p:txBody>
-      </p:sp>
-      <p:cxnSp>
-        <p:nvCxnSpPr>
-          <p:cNvPr id="44" name="Straight Arrow Connector 43"/>
-          <p:cNvCxnSpPr/>
-          <p:nvPr/>
-        </p:nvCxnSpPr>
-        <p:spPr>
-          <a:xfrm flipH="1">
-            <a:off x="3886200" y="1638300"/>
-            <a:ext cx="838200" cy="1295400"/>
-          </a:xfrm>
-          <a:prstGeom prst="straightConnector1">
-            <a:avLst/>
-          </a:prstGeom>
-          <a:ln>
-            <a:tailEnd type="arrow"/>
-          </a:ln>
-        </p:spPr>
-        <p:style>
-          <a:lnRef idx="1">
-            <a:schemeClr val="accent1"/>
-          </a:lnRef>
-          <a:fillRef idx="0">
-            <a:schemeClr val="accent1"/>
-          </a:fillRef>
-          <a:effectRef idx="0">
-            <a:schemeClr val="accent1"/>
-          </a:effectRef>
-          <a:fontRef idx="minor">
-            <a:schemeClr val="tx1"/>
-          </a:fontRef>
-        </p:style>
-      </p:cxnSp>
-      <p:cxnSp>
-        <p:nvCxnSpPr>
-          <p:cNvPr id="46" name="Straight Arrow Connector 45"/>
-          <p:cNvCxnSpPr>
-            <a:endCxn id="10" idx="1"/>
-          </p:cNvCxnSpPr>
-          <p:nvPr/>
-        </p:nvCxnSpPr>
-        <p:spPr>
-          <a:xfrm>
-            <a:off x="3886200" y="3086100"/>
-            <a:ext cx="2128185" cy="611515"/>
-          </a:xfrm>
-          <a:prstGeom prst="straightConnector1">
-            <a:avLst/>
-          </a:prstGeom>
-          <a:ln>
-            <a:tailEnd type="arrow"/>
-          </a:ln>
-        </p:spPr>
-        <p:style>
-          <a:lnRef idx="1">
-            <a:schemeClr val="accent1"/>
-          </a:lnRef>
-          <a:fillRef idx="0">
-            <a:schemeClr val="accent1"/>
-          </a:fillRef>
-          <a:effectRef idx="0">
-            <a:schemeClr val="accent1"/>
-          </a:effectRef>
-          <a:fontRef idx="minor">
-            <a:schemeClr val="tx1"/>
-          </a:fontRef>
-        </p:style>
-      </p:cxnSp>
-      <p:sp>
-        <p:nvSpPr>
-          <p:cNvPr id="47" name="Oval 46"/>
-          <p:cNvSpPr/>
-          <p:nvPr/>
-        </p:nvSpPr>
-        <p:spPr>
-          <a:xfrm>
-            <a:off x="3352800" y="3695700"/>
-            <a:ext cx="1524000" cy="533400"/>
-          </a:xfrm>
-          <a:prstGeom prst="ellipse">
-            <a:avLst/>
-          </a:prstGeom>
-        </p:spPr>
-        <p:style>
-          <a:lnRef idx="2">
-            <a:schemeClr val="accent1">
-              <a:shade val="50000"/>
-            </a:schemeClr>
-          </a:lnRef>
-          <a:fillRef idx="1">
-            <a:schemeClr val="accent1"/>
-          </a:fillRef>
-          <a:effectRef idx="0">
-            <a:schemeClr val="accent1"/>
-          </a:effectRef>
-          <a:fontRef idx="minor">
-            <a:schemeClr val="lt1"/>
-          </a:fontRef>
-        </p:style>
-        <p:txBody>
-          <a:bodyPr rtlCol="0" anchor="ctr"/>
-          <a:lstStyle/>
-          <a:p>
-            <a:pPr algn="ctr"/>
-            <a:r>
-              <a:rPr lang="en-US" dirty="0" smtClean="0"/>
-              <a:t>Db:3306</a:t>
-            </a:r>
-          </a:p>
-        </p:txBody>
-      </p:sp>
-      <p:sp>
-        <p:nvSpPr>
-          <p:cNvPr id="48" name="TextBox 47"/>
-          <p:cNvSpPr txBox="1"/>
-          <p:nvPr/>
-        </p:nvSpPr>
-        <p:spPr>
-          <a:xfrm>
-            <a:off x="3352800" y="4229100"/>
-            <a:ext cx="1524000" cy="369332"/>
-          </a:xfrm>
-          <a:prstGeom prst="rect">
-            <a:avLst/>
-          </a:prstGeom>
-          <a:noFill/>
-        </p:spPr>
-        <p:txBody>
-          <a:bodyPr wrap="square" rtlCol="0">
-            <a:spAutoFit/>
-          </a:bodyPr>
-          <a:lstStyle/>
-          <a:p>
-            <a:r>
-              <a:rPr lang="en-US" dirty="0" smtClean="0"/>
-              <a:t>172.18.0.18</a:t>
-            </a:r>
-            <a:endParaRPr lang="en-US" dirty="0"/>
-          </a:p>
-        </p:txBody>
-      </p:sp>
-      <p:sp>
-        <p:nvSpPr>
-          <p:cNvPr id="49" name="TextBox 48"/>
-          <p:cNvSpPr txBox="1"/>
-          <p:nvPr/>
-        </p:nvSpPr>
-        <p:spPr>
-          <a:xfrm>
-            <a:off x="7391400" y="571500"/>
-            <a:ext cx="676467" cy="369332"/>
-          </a:xfrm>
-          <a:prstGeom prst="rect">
-            <a:avLst/>
-          </a:prstGeom>
-          <a:noFill/>
-        </p:spPr>
-        <p:txBody>
-          <a:bodyPr wrap="none" rtlCol="0">
-            <a:spAutoFit/>
-          </a:bodyPr>
-          <a:lstStyle/>
-          <a:p>
-            <a:r>
-              <a:rPr lang="en-US" dirty="0" smtClean="0"/>
-              <a:t>canal</a:t>
-            </a:r>
-            <a:endParaRPr lang="en-US" dirty="0"/>
-          </a:p>
-        </p:txBody>
-      </p:sp>
-      <p:sp>
-        <p:nvSpPr>
-          <p:cNvPr id="50" name="TextBox 49"/>
-          <p:cNvSpPr txBox="1"/>
-          <p:nvPr/>
-        </p:nvSpPr>
-        <p:spPr>
-          <a:xfrm>
-            <a:off x="7543800" y="3543300"/>
-            <a:ext cx="676467" cy="369332"/>
-          </a:xfrm>
-          <a:prstGeom prst="rect">
-            <a:avLst/>
-          </a:prstGeom>
-          <a:noFill/>
-        </p:spPr>
-        <p:txBody>
-          <a:bodyPr wrap="none" rtlCol="0">
-            <a:spAutoFit/>
-          </a:bodyPr>
-          <a:lstStyle/>
-          <a:p>
-            <a:r>
-              <a:rPr lang="en-US" dirty="0" smtClean="0"/>
-              <a:t>canal</a:t>
+              <a:t>5</a:t>
             </a:r>
             <a:endParaRPr lang="en-US" dirty="0"/>
           </a:p>
@@ -10427,6 +10165,1308 @@
 </file>
 
 <file path=ppt/slides/slide16.xml><?xml version="1.0" encoding="utf-8"?>
+<p:sld xmlns:a="http://schemas.openxmlformats.org/drawingml/2006/main" xmlns:r="http://schemas.openxmlformats.org/officeDocument/2006/relationships" xmlns:p="http://schemas.openxmlformats.org/presentationml/2006/main">
+  <p:cSld>
+    <p:spTree>
+      <p:nvGrpSpPr>
+        <p:cNvPr id="1" name=""/>
+        <p:cNvGrpSpPr/>
+        <p:nvPr/>
+      </p:nvGrpSpPr>
+      <p:grpSpPr>
+        <a:xfrm>
+          <a:off x="0" y="0"/>
+          <a:ext cx="0" cy="0"/>
+          <a:chOff x="0" y="0"/>
+          <a:chExt cx="0" cy="0"/>
+        </a:xfrm>
+      </p:grpSpPr>
+      <p:sp>
+        <p:nvSpPr>
+          <p:cNvPr id="2" name="Rectangle 1"/>
+          <p:cNvSpPr/>
+          <p:nvPr/>
+        </p:nvSpPr>
+        <p:spPr>
+          <a:xfrm>
+            <a:off x="2057400" y="342900"/>
+            <a:ext cx="6477000" cy="2209800"/>
+          </a:xfrm>
+          <a:prstGeom prst="rect">
+            <a:avLst/>
+          </a:prstGeom>
+          <a:noFill/>
+        </p:spPr>
+        <p:style>
+          <a:lnRef idx="2">
+            <a:schemeClr val="accent1">
+              <a:shade val="50000"/>
+            </a:schemeClr>
+          </a:lnRef>
+          <a:fillRef idx="1">
+            <a:schemeClr val="accent1"/>
+          </a:fillRef>
+          <a:effectRef idx="0">
+            <a:schemeClr val="accent1"/>
+          </a:effectRef>
+          <a:fontRef idx="minor">
+            <a:schemeClr val="lt1"/>
+          </a:fontRef>
+        </p:style>
+        <p:txBody>
+          <a:bodyPr rtlCol="0" anchor="ctr"/>
+          <a:lstStyle/>
+          <a:p>
+            <a:pPr algn="ctr"/>
+            <a:endParaRPr lang="en-US"/>
+          </a:p>
+        </p:txBody>
+      </p:sp>
+      <p:sp>
+        <p:nvSpPr>
+          <p:cNvPr id="3" name="Rectangle 2"/>
+          <p:cNvSpPr/>
+          <p:nvPr/>
+        </p:nvSpPr>
+        <p:spPr>
+          <a:xfrm>
+            <a:off x="2057400" y="3162300"/>
+            <a:ext cx="6477000" cy="2209800"/>
+          </a:xfrm>
+          <a:prstGeom prst="rect">
+            <a:avLst/>
+          </a:prstGeom>
+          <a:noFill/>
+        </p:spPr>
+        <p:style>
+          <a:lnRef idx="2">
+            <a:schemeClr val="accent1">
+              <a:shade val="50000"/>
+            </a:schemeClr>
+          </a:lnRef>
+          <a:fillRef idx="1">
+            <a:schemeClr val="accent1"/>
+          </a:fillRef>
+          <a:effectRef idx="0">
+            <a:schemeClr val="accent1"/>
+          </a:effectRef>
+          <a:fontRef idx="minor">
+            <a:schemeClr val="lt1"/>
+          </a:fontRef>
+        </p:style>
+        <p:txBody>
+          <a:bodyPr rtlCol="0" anchor="ctr"/>
+          <a:lstStyle/>
+          <a:p>
+            <a:pPr algn="ctr"/>
+            <a:endParaRPr lang="en-US"/>
+          </a:p>
+        </p:txBody>
+      </p:sp>
+      <p:sp>
+        <p:nvSpPr>
+          <p:cNvPr id="4" name="Rectangle 3"/>
+          <p:cNvSpPr/>
+          <p:nvPr/>
+        </p:nvSpPr>
+        <p:spPr>
+          <a:xfrm>
+            <a:off x="0" y="2019300"/>
+            <a:ext cx="533400" cy="1981200"/>
+          </a:xfrm>
+          <a:prstGeom prst="rect">
+            <a:avLst/>
+          </a:prstGeom>
+        </p:spPr>
+        <p:style>
+          <a:lnRef idx="2">
+            <a:schemeClr val="accent1">
+              <a:shade val="50000"/>
+            </a:schemeClr>
+          </a:lnRef>
+          <a:fillRef idx="1">
+            <a:schemeClr val="accent1"/>
+          </a:fillRef>
+          <a:effectRef idx="0">
+            <a:schemeClr val="accent1"/>
+          </a:effectRef>
+          <a:fontRef idx="minor">
+            <a:schemeClr val="lt1"/>
+          </a:fontRef>
+        </p:style>
+        <p:txBody>
+          <a:bodyPr rtlCol="0" anchor="ctr"/>
+          <a:lstStyle/>
+          <a:p>
+            <a:pPr algn="ctr"/>
+            <a:r>
+              <a:rPr lang="en-US" dirty="0" smtClean="0"/>
+              <a:t>Mast</a:t>
+            </a:r>
+          </a:p>
+          <a:p>
+            <a:pPr algn="ctr"/>
+            <a:r>
+              <a:rPr lang="en-US" dirty="0" err="1" smtClean="0"/>
+              <a:t>er</a:t>
+            </a:r>
+            <a:endParaRPr lang="en-US" dirty="0"/>
+          </a:p>
+        </p:txBody>
+      </p:sp>
+      <p:sp>
+        <p:nvSpPr>
+          <p:cNvPr id="5" name="TextBox 4"/>
+          <p:cNvSpPr txBox="1"/>
+          <p:nvPr/>
+        </p:nvSpPr>
+        <p:spPr>
+          <a:xfrm>
+            <a:off x="2209800" y="0"/>
+            <a:ext cx="2385589" cy="369332"/>
+          </a:xfrm>
+          <a:prstGeom prst="rect">
+            <a:avLst/>
+          </a:prstGeom>
+          <a:noFill/>
+        </p:spPr>
+        <p:txBody>
+          <a:bodyPr wrap="none" rtlCol="0">
+            <a:spAutoFit/>
+          </a:bodyPr>
+          <a:lstStyle/>
+          <a:p>
+            <a:r>
+              <a:rPr lang="en-US" dirty="0" smtClean="0"/>
+              <a:t>Node1: 192.168.99.100</a:t>
+            </a:r>
+            <a:endParaRPr lang="en-US" dirty="0"/>
+          </a:p>
+        </p:txBody>
+      </p:sp>
+      <p:sp>
+        <p:nvSpPr>
+          <p:cNvPr id="6" name="TextBox 5"/>
+          <p:cNvSpPr txBox="1"/>
+          <p:nvPr/>
+        </p:nvSpPr>
+        <p:spPr>
+          <a:xfrm>
+            <a:off x="2133600" y="2857500"/>
+            <a:ext cx="2385589" cy="369332"/>
+          </a:xfrm>
+          <a:prstGeom prst="rect">
+            <a:avLst/>
+          </a:prstGeom>
+          <a:noFill/>
+        </p:spPr>
+        <p:txBody>
+          <a:bodyPr wrap="none" rtlCol="0">
+            <a:spAutoFit/>
+          </a:bodyPr>
+          <a:lstStyle/>
+          <a:p>
+            <a:r>
+              <a:rPr lang="en-US" dirty="0" smtClean="0"/>
+              <a:t>Node2: 192.168.99.101</a:t>
+            </a:r>
+            <a:endParaRPr lang="en-US" dirty="0"/>
+          </a:p>
+        </p:txBody>
+      </p:sp>
+      <p:sp>
+        <p:nvSpPr>
+          <p:cNvPr id="7" name="TextBox 6"/>
+          <p:cNvSpPr txBox="1"/>
+          <p:nvPr/>
+        </p:nvSpPr>
+        <p:spPr>
+          <a:xfrm>
+            <a:off x="7221668" y="342900"/>
+            <a:ext cx="1312732" cy="307777"/>
+          </a:xfrm>
+          <a:prstGeom prst="rect">
+            <a:avLst/>
+          </a:prstGeom>
+          <a:noFill/>
+        </p:spPr>
+        <p:txBody>
+          <a:bodyPr wrap="none" rtlCol="0">
+            <a:spAutoFit/>
+          </a:bodyPr>
+          <a:lstStyle/>
+          <a:p>
+            <a:r>
+              <a:rPr lang="en-US" sz="1400" dirty="0" err="1" smtClean="0"/>
+              <a:t>Docker</a:t>
+            </a:r>
+            <a:r>
+              <a:rPr lang="en-US" sz="1400" dirty="0" smtClean="0"/>
+              <a:t>, </a:t>
+            </a:r>
+            <a:r>
+              <a:rPr lang="en-US" sz="1400" dirty="0" err="1" smtClean="0"/>
+              <a:t>kubelet</a:t>
+            </a:r>
+            <a:endParaRPr lang="en-US" dirty="0"/>
+          </a:p>
+        </p:txBody>
+      </p:sp>
+      <p:sp>
+        <p:nvSpPr>
+          <p:cNvPr id="8" name="TextBox 7"/>
+          <p:cNvSpPr txBox="1"/>
+          <p:nvPr/>
+        </p:nvSpPr>
+        <p:spPr>
+          <a:xfrm>
+            <a:off x="7239000" y="3162300"/>
+            <a:ext cx="1312732" cy="307777"/>
+          </a:xfrm>
+          <a:prstGeom prst="rect">
+            <a:avLst/>
+          </a:prstGeom>
+          <a:noFill/>
+        </p:spPr>
+        <p:txBody>
+          <a:bodyPr wrap="none" rtlCol="0">
+            <a:spAutoFit/>
+          </a:bodyPr>
+          <a:lstStyle/>
+          <a:p>
+            <a:r>
+              <a:rPr lang="en-US" sz="1400" dirty="0" err="1" smtClean="0"/>
+              <a:t>Docker</a:t>
+            </a:r>
+            <a:r>
+              <a:rPr lang="en-US" sz="1400" dirty="0" smtClean="0"/>
+              <a:t>, </a:t>
+            </a:r>
+            <a:r>
+              <a:rPr lang="en-US" sz="1400" dirty="0" err="1" smtClean="0"/>
+              <a:t>kubelet</a:t>
+            </a:r>
+            <a:endParaRPr lang="en-US" dirty="0"/>
+          </a:p>
+        </p:txBody>
+      </p:sp>
+      <p:sp>
+        <p:nvSpPr>
+          <p:cNvPr id="9" name="Oval 8"/>
+          <p:cNvSpPr/>
+          <p:nvPr/>
+        </p:nvSpPr>
+        <p:spPr>
+          <a:xfrm>
+            <a:off x="5715000" y="952500"/>
+            <a:ext cx="1524000" cy="533400"/>
+          </a:xfrm>
+          <a:prstGeom prst="ellipse">
+            <a:avLst/>
+          </a:prstGeom>
+        </p:spPr>
+        <p:style>
+          <a:lnRef idx="2">
+            <a:schemeClr val="accent1">
+              <a:shade val="50000"/>
+            </a:schemeClr>
+          </a:lnRef>
+          <a:fillRef idx="1">
+            <a:schemeClr val="accent1"/>
+          </a:fillRef>
+          <a:effectRef idx="0">
+            <a:schemeClr val="accent1"/>
+          </a:effectRef>
+          <a:fontRef idx="minor">
+            <a:schemeClr val="lt1"/>
+          </a:fontRef>
+        </p:style>
+        <p:txBody>
+          <a:bodyPr rtlCol="0" anchor="ctr"/>
+          <a:lstStyle/>
+          <a:p>
+            <a:pPr algn="ctr"/>
+            <a:r>
+              <a:rPr lang="en-US" dirty="0" smtClean="0"/>
+              <a:t>Pod1</a:t>
+            </a:r>
+          </a:p>
+        </p:txBody>
+      </p:sp>
+      <p:sp>
+        <p:nvSpPr>
+          <p:cNvPr id="10" name="Oval 9"/>
+          <p:cNvSpPr/>
+          <p:nvPr/>
+        </p:nvSpPr>
+        <p:spPr>
+          <a:xfrm>
+            <a:off x="5791200" y="3619500"/>
+            <a:ext cx="1524000" cy="533400"/>
+          </a:xfrm>
+          <a:prstGeom prst="ellipse">
+            <a:avLst/>
+          </a:prstGeom>
+        </p:spPr>
+        <p:style>
+          <a:lnRef idx="2">
+            <a:schemeClr val="accent1">
+              <a:shade val="50000"/>
+            </a:schemeClr>
+          </a:lnRef>
+          <a:fillRef idx="1">
+            <a:schemeClr val="accent1"/>
+          </a:fillRef>
+          <a:effectRef idx="0">
+            <a:schemeClr val="accent1"/>
+          </a:effectRef>
+          <a:fontRef idx="minor">
+            <a:schemeClr val="lt1"/>
+          </a:fontRef>
+        </p:style>
+        <p:txBody>
+          <a:bodyPr rtlCol="0" anchor="ctr"/>
+          <a:lstStyle/>
+          <a:p>
+            <a:pPr algn="ctr"/>
+            <a:r>
+              <a:rPr lang="en-US" dirty="0" smtClean="0"/>
+              <a:t>Db:3306</a:t>
+            </a:r>
+          </a:p>
+        </p:txBody>
+      </p:sp>
+      <p:sp>
+        <p:nvSpPr>
+          <p:cNvPr id="11" name="TextBox 10"/>
+          <p:cNvSpPr txBox="1"/>
+          <p:nvPr/>
+        </p:nvSpPr>
+        <p:spPr>
+          <a:xfrm>
+            <a:off x="5791200" y="1333500"/>
+            <a:ext cx="3352800" cy="1200329"/>
+          </a:xfrm>
+          <a:prstGeom prst="rect">
+            <a:avLst/>
+          </a:prstGeom>
+          <a:noFill/>
+        </p:spPr>
+        <p:txBody>
+          <a:bodyPr wrap="square" rtlCol="0">
+            <a:spAutoFit/>
+          </a:bodyPr>
+          <a:lstStyle/>
+          <a:p>
+            <a:r>
+              <a:rPr lang="en-US" dirty="0" smtClean="0"/>
+              <a:t>172.17.0.17</a:t>
+            </a:r>
+          </a:p>
+          <a:p>
+            <a:pPr marL="342900" indent="-342900">
+              <a:buAutoNum type="arabicPeriod"/>
+            </a:pPr>
+            <a:r>
+              <a:rPr lang="en-US" dirty="0" err="1" smtClean="0"/>
+              <a:t>Jdbc</a:t>
+            </a:r>
+            <a:r>
+              <a:rPr lang="en-US" dirty="0" smtClean="0"/>
+              <a:t> : db-svc:8888</a:t>
+            </a:r>
+          </a:p>
+          <a:p>
+            <a:pPr marL="342900" indent="-342900">
+              <a:buAutoNum type="arabicPeriod"/>
+            </a:pPr>
+            <a:r>
+              <a:rPr lang="en-US" dirty="0" smtClean="0"/>
+              <a:t>/etc/</a:t>
+            </a:r>
+            <a:r>
+              <a:rPr lang="en-US" dirty="0" err="1" smtClean="0"/>
+              <a:t>resolv.conf</a:t>
+            </a:r>
+            <a:r>
+              <a:rPr lang="en-US" dirty="0" smtClean="0"/>
+              <a:t>: 10.96.0.10</a:t>
+            </a:r>
+          </a:p>
+          <a:p>
+            <a:pPr marL="342900" indent="-342900">
+              <a:buAutoNum type="arabicPeriod"/>
+            </a:pPr>
+            <a:r>
+              <a:rPr lang="en-US" dirty="0" err="1" smtClean="0"/>
+              <a:t>Jdbc</a:t>
+            </a:r>
+            <a:r>
+              <a:rPr lang="en-US" dirty="0" smtClean="0"/>
+              <a:t>: 10.201.34.45:8888</a:t>
+            </a:r>
+          </a:p>
+        </p:txBody>
+      </p:sp>
+      <p:sp>
+        <p:nvSpPr>
+          <p:cNvPr id="12" name="TextBox 11"/>
+          <p:cNvSpPr txBox="1"/>
+          <p:nvPr/>
+        </p:nvSpPr>
+        <p:spPr>
+          <a:xfrm>
+            <a:off x="5943600" y="4152900"/>
+            <a:ext cx="1524000" cy="369332"/>
+          </a:xfrm>
+          <a:prstGeom prst="rect">
+            <a:avLst/>
+          </a:prstGeom>
+          <a:noFill/>
+        </p:spPr>
+        <p:txBody>
+          <a:bodyPr wrap="square" rtlCol="0">
+            <a:spAutoFit/>
+          </a:bodyPr>
+          <a:lstStyle/>
+          <a:p>
+            <a:r>
+              <a:rPr lang="en-US" dirty="0" smtClean="0"/>
+              <a:t>172.18.0.17</a:t>
+            </a:r>
+            <a:endParaRPr lang="en-US" dirty="0"/>
+          </a:p>
+        </p:txBody>
+      </p:sp>
+      <p:sp>
+        <p:nvSpPr>
+          <p:cNvPr id="13" name="TextBox 12"/>
+          <p:cNvSpPr txBox="1"/>
+          <p:nvPr/>
+        </p:nvSpPr>
+        <p:spPr>
+          <a:xfrm>
+            <a:off x="152400" y="266700"/>
+            <a:ext cx="1617622" cy="369332"/>
+          </a:xfrm>
+          <a:prstGeom prst="rect">
+            <a:avLst/>
+          </a:prstGeom>
+          <a:noFill/>
+        </p:spPr>
+        <p:txBody>
+          <a:bodyPr wrap="none" rtlCol="0">
+            <a:spAutoFit/>
+          </a:bodyPr>
+          <a:lstStyle/>
+          <a:p>
+            <a:r>
+              <a:rPr lang="en-US" dirty="0" smtClean="0"/>
+              <a:t>Pod-pod </a:t>
+            </a:r>
+            <a:r>
+              <a:rPr lang="en-US" dirty="0" err="1" smtClean="0"/>
+              <a:t>comm</a:t>
+            </a:r>
+            <a:endParaRPr lang="en-US" dirty="0"/>
+          </a:p>
+        </p:txBody>
+      </p:sp>
+      <p:sp>
+        <p:nvSpPr>
+          <p:cNvPr id="14" name="TextBox 13"/>
+          <p:cNvSpPr txBox="1"/>
+          <p:nvPr/>
+        </p:nvSpPr>
+        <p:spPr>
+          <a:xfrm>
+            <a:off x="2133600" y="1598593"/>
+            <a:ext cx="5088188" cy="1169551"/>
+          </a:xfrm>
+          <a:prstGeom prst="rect">
+            <a:avLst/>
+          </a:prstGeom>
+          <a:noFill/>
+        </p:spPr>
+        <p:txBody>
+          <a:bodyPr wrap="none" rtlCol="0">
+            <a:spAutoFit/>
+          </a:bodyPr>
+          <a:lstStyle/>
+          <a:p>
+            <a:r>
+              <a:rPr lang="en-US" sz="1400" dirty="0" err="1" smtClean="0"/>
+              <a:t>Kube</a:t>
+            </a:r>
+            <a:r>
+              <a:rPr lang="en-US" sz="1400" dirty="0" smtClean="0"/>
+              <a:t>-proxy</a:t>
+            </a:r>
+          </a:p>
+          <a:p>
+            <a:r>
+              <a:rPr lang="en-US" sz="1400" dirty="0" smtClean="0"/>
+              <a:t>172.17.0.0  next hop 192.168.99.100</a:t>
+            </a:r>
+          </a:p>
+          <a:p>
+            <a:r>
+              <a:rPr lang="en-US" sz="1400" dirty="0" smtClean="0"/>
+              <a:t>172.18.0.0 next hop 192.168.99.101</a:t>
+            </a:r>
+          </a:p>
+          <a:p>
+            <a:r>
+              <a:rPr lang="en-US" sz="1400" dirty="0" smtClean="0"/>
+              <a:t>10.201.34.45:8888 – revlook</a:t>
+            </a:r>
+            <a:r>
+              <a:rPr lang="en-US" sz="1400" dirty="0" smtClean="0">
+                <a:sym typeface="Wingdings" pitchFamily="2" charset="2"/>
+              </a:rPr>
+              <a:t>172.18.0.17:3306, 172.18.0.18:3306</a:t>
+            </a:r>
+          </a:p>
+          <a:p>
+            <a:r>
+              <a:rPr lang="en-US" sz="1400" dirty="0" smtClean="0">
+                <a:sym typeface="Wingdings" pitchFamily="2" charset="2"/>
+              </a:rPr>
+              <a:t>10.96.0.10:53  172.18.0.12:53</a:t>
+            </a:r>
+            <a:endParaRPr lang="en-US" dirty="0"/>
+          </a:p>
+        </p:txBody>
+      </p:sp>
+      <p:sp>
+        <p:nvSpPr>
+          <p:cNvPr id="15" name="Cloud 14"/>
+          <p:cNvSpPr/>
+          <p:nvPr/>
+        </p:nvSpPr>
+        <p:spPr>
+          <a:xfrm>
+            <a:off x="457200" y="1333500"/>
+            <a:ext cx="1752600" cy="3124200"/>
+          </a:xfrm>
+          <a:prstGeom prst="cloud">
+            <a:avLst/>
+          </a:prstGeom>
+          <a:noFill/>
+        </p:spPr>
+        <p:style>
+          <a:lnRef idx="2">
+            <a:schemeClr val="accent1">
+              <a:shade val="50000"/>
+            </a:schemeClr>
+          </a:lnRef>
+          <a:fillRef idx="1">
+            <a:schemeClr val="accent1"/>
+          </a:fillRef>
+          <a:effectRef idx="0">
+            <a:schemeClr val="accent1"/>
+          </a:effectRef>
+          <a:fontRef idx="minor">
+            <a:schemeClr val="lt1"/>
+          </a:fontRef>
+        </p:style>
+        <p:txBody>
+          <a:bodyPr rtlCol="0" anchor="ctr"/>
+          <a:lstStyle/>
+          <a:p>
+            <a:pPr algn="ctr"/>
+            <a:endParaRPr lang="en-US"/>
+          </a:p>
+        </p:txBody>
+      </p:sp>
+      <p:sp>
+        <p:nvSpPr>
+          <p:cNvPr id="16" name="TextBox 15"/>
+          <p:cNvSpPr txBox="1"/>
+          <p:nvPr/>
+        </p:nvSpPr>
+        <p:spPr>
+          <a:xfrm>
+            <a:off x="685801" y="952500"/>
+            <a:ext cx="1371600" cy="1477328"/>
+          </a:xfrm>
+          <a:prstGeom prst="rect">
+            <a:avLst/>
+          </a:prstGeom>
+          <a:noFill/>
+        </p:spPr>
+        <p:txBody>
+          <a:bodyPr wrap="square" rtlCol="0">
+            <a:spAutoFit/>
+          </a:bodyPr>
+          <a:lstStyle/>
+          <a:p>
+            <a:r>
+              <a:rPr lang="en-US" dirty="0" smtClean="0"/>
+              <a:t>Mesh n/w</a:t>
+            </a:r>
+          </a:p>
+          <a:p>
+            <a:r>
+              <a:rPr lang="en-US" dirty="0" smtClean="0"/>
+              <a:t>Flannel</a:t>
+            </a:r>
+          </a:p>
+          <a:p>
+            <a:r>
+              <a:rPr lang="en-US" dirty="0" smtClean="0"/>
+              <a:t>Cloud-weave - </a:t>
+            </a:r>
+            <a:r>
+              <a:rPr lang="en-US" dirty="0" err="1" smtClean="0"/>
+              <a:t>gc</a:t>
+            </a:r>
+            <a:endParaRPr lang="en-US" dirty="0" smtClean="0"/>
+          </a:p>
+          <a:p>
+            <a:r>
+              <a:rPr lang="en-US" dirty="0" smtClean="0"/>
+              <a:t>Calico - </a:t>
+            </a:r>
+            <a:r>
+              <a:rPr lang="en-US" dirty="0" err="1" smtClean="0"/>
+              <a:t>aws</a:t>
+            </a:r>
+            <a:endParaRPr lang="en-US" dirty="0"/>
+          </a:p>
+        </p:txBody>
+      </p:sp>
+      <p:sp>
+        <p:nvSpPr>
+          <p:cNvPr id="17" name="TextBox 16"/>
+          <p:cNvSpPr txBox="1"/>
+          <p:nvPr/>
+        </p:nvSpPr>
+        <p:spPr>
+          <a:xfrm>
+            <a:off x="2057400" y="4610100"/>
+            <a:ext cx="5562600" cy="1231106"/>
+          </a:xfrm>
+          <a:prstGeom prst="rect">
+            <a:avLst/>
+          </a:prstGeom>
+          <a:noFill/>
+        </p:spPr>
+        <p:txBody>
+          <a:bodyPr wrap="square" rtlCol="0">
+            <a:spAutoFit/>
+          </a:bodyPr>
+          <a:lstStyle/>
+          <a:p>
+            <a:r>
+              <a:rPr lang="en-US" sz="1400" dirty="0" err="1" smtClean="0"/>
+              <a:t>Kube</a:t>
+            </a:r>
+            <a:r>
+              <a:rPr lang="en-US" sz="1400" dirty="0" smtClean="0"/>
+              <a:t>-proxy</a:t>
+            </a:r>
+          </a:p>
+          <a:p>
+            <a:r>
+              <a:rPr lang="en-US" sz="1400" dirty="0" smtClean="0"/>
+              <a:t>172.17.0.0  next hop 192.168.99.100</a:t>
+            </a:r>
+          </a:p>
+          <a:p>
+            <a:r>
+              <a:rPr lang="en-US" sz="1400" dirty="0" smtClean="0"/>
+              <a:t>172.18.0.0 next hop 192.168.99.101</a:t>
+            </a:r>
+          </a:p>
+          <a:p>
+            <a:r>
+              <a:rPr lang="en-US" sz="1400" dirty="0" smtClean="0"/>
+              <a:t>10.201.34.45:8888 – revlook</a:t>
+            </a:r>
+            <a:r>
+              <a:rPr lang="en-US" sz="1400" dirty="0" smtClean="0">
+                <a:sym typeface="Wingdings" pitchFamily="2" charset="2"/>
+              </a:rPr>
+              <a:t></a:t>
+            </a:r>
+            <a:r>
+              <a:rPr lang="en-US" sz="1400" dirty="0" smtClean="0">
+                <a:sym typeface="Wingdings" pitchFamily="2" charset="2"/>
+              </a:rPr>
+              <a:t>172.18.0.17:3306, 172.18.0.18:3306</a:t>
+            </a:r>
+            <a:endParaRPr lang="en-US" sz="1400" dirty="0" smtClean="0"/>
+          </a:p>
+          <a:p>
+            <a:endParaRPr lang="en-US" dirty="0"/>
+          </a:p>
+        </p:txBody>
+      </p:sp>
+      <p:cxnSp>
+        <p:nvCxnSpPr>
+          <p:cNvPr id="27" name="Straight Arrow Connector 26"/>
+          <p:cNvCxnSpPr/>
+          <p:nvPr/>
+        </p:nvCxnSpPr>
+        <p:spPr>
+          <a:xfrm flipV="1">
+            <a:off x="7162800" y="1028700"/>
+            <a:ext cx="1066800" cy="838200"/>
+          </a:xfrm>
+          <a:prstGeom prst="straightConnector1">
+            <a:avLst/>
+          </a:prstGeom>
+          <a:ln>
+            <a:tailEnd type="arrow"/>
+          </a:ln>
+        </p:spPr>
+        <p:style>
+          <a:lnRef idx="1">
+            <a:schemeClr val="accent1"/>
+          </a:lnRef>
+          <a:fillRef idx="0">
+            <a:schemeClr val="accent1"/>
+          </a:fillRef>
+          <a:effectRef idx="0">
+            <a:schemeClr val="accent1"/>
+          </a:effectRef>
+          <a:fontRef idx="minor">
+            <a:schemeClr val="tx1"/>
+          </a:fontRef>
+        </p:style>
+      </p:cxnSp>
+      <p:sp>
+        <p:nvSpPr>
+          <p:cNvPr id="28" name="Oval 27"/>
+          <p:cNvSpPr/>
+          <p:nvPr/>
+        </p:nvSpPr>
+        <p:spPr>
+          <a:xfrm>
+            <a:off x="8077200" y="647700"/>
+            <a:ext cx="1066800" cy="381000"/>
+          </a:xfrm>
+          <a:prstGeom prst="ellipse">
+            <a:avLst/>
+          </a:prstGeom>
+        </p:spPr>
+        <p:style>
+          <a:lnRef idx="2">
+            <a:schemeClr val="accent1">
+              <a:shade val="50000"/>
+            </a:schemeClr>
+          </a:lnRef>
+          <a:fillRef idx="1">
+            <a:schemeClr val="accent1"/>
+          </a:fillRef>
+          <a:effectRef idx="0">
+            <a:schemeClr val="accent1"/>
+          </a:effectRef>
+          <a:fontRef idx="minor">
+            <a:schemeClr val="lt1"/>
+          </a:fontRef>
+        </p:style>
+        <p:txBody>
+          <a:bodyPr rtlCol="0" anchor="ctr"/>
+          <a:lstStyle/>
+          <a:p>
+            <a:pPr algn="ctr"/>
+            <a:r>
+              <a:rPr lang="en-US" dirty="0" err="1" smtClean="0"/>
+              <a:t>dns</a:t>
+            </a:r>
+            <a:endParaRPr lang="en-US" dirty="0"/>
+          </a:p>
+        </p:txBody>
+      </p:sp>
+      <p:cxnSp>
+        <p:nvCxnSpPr>
+          <p:cNvPr id="30" name="Straight Arrow Connector 29"/>
+          <p:cNvCxnSpPr/>
+          <p:nvPr/>
+        </p:nvCxnSpPr>
+        <p:spPr>
+          <a:xfrm flipH="1">
+            <a:off x="7315200" y="1181100"/>
+            <a:ext cx="1219200" cy="762000"/>
+          </a:xfrm>
+          <a:prstGeom prst="straightConnector1">
+            <a:avLst/>
+          </a:prstGeom>
+          <a:ln>
+            <a:tailEnd type="arrow"/>
+          </a:ln>
+        </p:spPr>
+        <p:style>
+          <a:lnRef idx="1">
+            <a:schemeClr val="accent1"/>
+          </a:lnRef>
+          <a:fillRef idx="0">
+            <a:schemeClr val="accent1"/>
+          </a:fillRef>
+          <a:effectRef idx="0">
+            <a:schemeClr val="accent1"/>
+          </a:effectRef>
+          <a:fontRef idx="minor">
+            <a:schemeClr val="tx1"/>
+          </a:fontRef>
+        </p:style>
+      </p:cxnSp>
+      <p:cxnSp>
+        <p:nvCxnSpPr>
+          <p:cNvPr id="32" name="Straight Arrow Connector 31"/>
+          <p:cNvCxnSpPr>
+            <a:stCxn id="9" idx="1"/>
+            <a:endCxn id="5" idx="2"/>
+          </p:cNvCxnSpPr>
+          <p:nvPr/>
+        </p:nvCxnSpPr>
+        <p:spPr>
+          <a:xfrm flipH="1" flipV="1">
+            <a:off x="3402595" y="369332"/>
+            <a:ext cx="2535590" cy="661283"/>
+          </a:xfrm>
+          <a:prstGeom prst="straightConnector1">
+            <a:avLst/>
+          </a:prstGeom>
+          <a:ln>
+            <a:tailEnd type="arrow"/>
+          </a:ln>
+        </p:spPr>
+        <p:style>
+          <a:lnRef idx="1">
+            <a:schemeClr val="accent1"/>
+          </a:lnRef>
+          <a:fillRef idx="0">
+            <a:schemeClr val="accent1"/>
+          </a:fillRef>
+          <a:effectRef idx="0">
+            <a:schemeClr val="accent1"/>
+          </a:effectRef>
+          <a:fontRef idx="minor">
+            <a:schemeClr val="tx1"/>
+          </a:fontRef>
+        </p:style>
+      </p:cxnSp>
+      <p:sp>
+        <p:nvSpPr>
+          <p:cNvPr id="33" name="TextBox 32"/>
+          <p:cNvSpPr txBox="1"/>
+          <p:nvPr/>
+        </p:nvSpPr>
+        <p:spPr>
+          <a:xfrm>
+            <a:off x="4648200" y="571500"/>
+            <a:ext cx="301686" cy="369332"/>
+          </a:xfrm>
+          <a:prstGeom prst="rect">
+            <a:avLst/>
+          </a:prstGeom>
+          <a:noFill/>
+        </p:spPr>
+        <p:txBody>
+          <a:bodyPr wrap="none" rtlCol="0">
+            <a:spAutoFit/>
+          </a:bodyPr>
+          <a:lstStyle/>
+          <a:p>
+            <a:r>
+              <a:rPr lang="en-US" dirty="0" smtClean="0"/>
+              <a:t>3</a:t>
+            </a:r>
+            <a:endParaRPr lang="en-US" dirty="0"/>
+          </a:p>
+        </p:txBody>
+      </p:sp>
+      <p:cxnSp>
+        <p:nvCxnSpPr>
+          <p:cNvPr id="35" name="Straight Arrow Connector 34"/>
+          <p:cNvCxnSpPr/>
+          <p:nvPr/>
+        </p:nvCxnSpPr>
+        <p:spPr>
+          <a:xfrm flipH="1" flipV="1">
+            <a:off x="1600200" y="190500"/>
+            <a:ext cx="838200" cy="228600"/>
+          </a:xfrm>
+          <a:prstGeom prst="straightConnector1">
+            <a:avLst/>
+          </a:prstGeom>
+          <a:ln>
+            <a:tailEnd type="arrow"/>
+          </a:ln>
+        </p:spPr>
+        <p:style>
+          <a:lnRef idx="1">
+            <a:schemeClr val="accent1"/>
+          </a:lnRef>
+          <a:fillRef idx="0">
+            <a:schemeClr val="accent1"/>
+          </a:fillRef>
+          <a:effectRef idx="0">
+            <a:schemeClr val="accent1"/>
+          </a:effectRef>
+          <a:fontRef idx="minor">
+            <a:schemeClr val="tx1"/>
+          </a:fontRef>
+        </p:style>
+      </p:cxnSp>
+      <p:cxnSp>
+        <p:nvCxnSpPr>
+          <p:cNvPr id="37" name="Straight Arrow Connector 36"/>
+          <p:cNvCxnSpPr/>
+          <p:nvPr/>
+        </p:nvCxnSpPr>
+        <p:spPr>
+          <a:xfrm>
+            <a:off x="1905000" y="266700"/>
+            <a:ext cx="838200" cy="1371600"/>
+          </a:xfrm>
+          <a:prstGeom prst="straightConnector1">
+            <a:avLst/>
+          </a:prstGeom>
+          <a:ln>
+            <a:tailEnd type="arrow"/>
+          </a:ln>
+        </p:spPr>
+        <p:style>
+          <a:lnRef idx="1">
+            <a:schemeClr val="accent1"/>
+          </a:lnRef>
+          <a:fillRef idx="0">
+            <a:schemeClr val="accent1"/>
+          </a:fillRef>
+          <a:effectRef idx="0">
+            <a:schemeClr val="accent1"/>
+          </a:effectRef>
+          <a:fontRef idx="minor">
+            <a:schemeClr val="tx1"/>
+          </a:fontRef>
+        </p:style>
+      </p:cxnSp>
+      <p:sp>
+        <p:nvSpPr>
+          <p:cNvPr id="38" name="TextBox 37"/>
+          <p:cNvSpPr txBox="1"/>
+          <p:nvPr/>
+        </p:nvSpPr>
+        <p:spPr>
+          <a:xfrm>
+            <a:off x="2057400" y="723900"/>
+            <a:ext cx="1964256" cy="369332"/>
+          </a:xfrm>
+          <a:prstGeom prst="rect">
+            <a:avLst/>
+          </a:prstGeom>
+          <a:noFill/>
+        </p:spPr>
+        <p:txBody>
+          <a:bodyPr wrap="none" rtlCol="0">
+            <a:spAutoFit/>
+          </a:bodyPr>
+          <a:lstStyle/>
+          <a:p>
+            <a:r>
+              <a:rPr lang="en-US" dirty="0" smtClean="0"/>
+              <a:t>5. </a:t>
+            </a:r>
+            <a:r>
+              <a:rPr lang="en-US" dirty="0" err="1" smtClean="0"/>
+              <a:t>inflight</a:t>
+            </a:r>
+            <a:r>
+              <a:rPr lang="en-US" dirty="0" smtClean="0"/>
+              <a:t>-snagging</a:t>
+            </a:r>
+            <a:endParaRPr lang="en-US" dirty="0"/>
+          </a:p>
+        </p:txBody>
+      </p:sp>
+      <p:sp>
+        <p:nvSpPr>
+          <p:cNvPr id="39" name="TextBox 38"/>
+          <p:cNvSpPr txBox="1"/>
+          <p:nvPr/>
+        </p:nvSpPr>
+        <p:spPr>
+          <a:xfrm>
+            <a:off x="1828800" y="38100"/>
+            <a:ext cx="301686" cy="369332"/>
+          </a:xfrm>
+          <a:prstGeom prst="rect">
+            <a:avLst/>
+          </a:prstGeom>
+          <a:noFill/>
+        </p:spPr>
+        <p:txBody>
+          <a:bodyPr wrap="none" rtlCol="0">
+            <a:spAutoFit/>
+          </a:bodyPr>
+          <a:lstStyle/>
+          <a:p>
+            <a:r>
+              <a:rPr lang="en-US" dirty="0" smtClean="0"/>
+              <a:t>4</a:t>
+            </a:r>
+            <a:endParaRPr lang="en-US" dirty="0"/>
+          </a:p>
+        </p:txBody>
+      </p:sp>
+      <p:sp>
+        <p:nvSpPr>
+          <p:cNvPr id="42" name="TextBox 41"/>
+          <p:cNvSpPr txBox="1"/>
+          <p:nvPr/>
+        </p:nvSpPr>
+        <p:spPr>
+          <a:xfrm>
+            <a:off x="2971800" y="1116568"/>
+            <a:ext cx="2844561" cy="646331"/>
+          </a:xfrm>
+          <a:prstGeom prst="rect">
+            <a:avLst/>
+          </a:prstGeom>
+          <a:noFill/>
+        </p:spPr>
+        <p:txBody>
+          <a:bodyPr wrap="none" rtlCol="0">
+            <a:spAutoFit/>
+          </a:bodyPr>
+          <a:lstStyle/>
+          <a:p>
+            <a:r>
+              <a:rPr lang="en-US" dirty="0" smtClean="0"/>
+              <a:t>6. </a:t>
+            </a:r>
+            <a:r>
+              <a:rPr lang="en-US" dirty="0" err="1" smtClean="0"/>
+              <a:t>Kubeproxy</a:t>
+            </a:r>
+            <a:r>
+              <a:rPr lang="en-US" dirty="0" smtClean="0"/>
+              <a:t> reverse lookup</a:t>
+            </a:r>
+          </a:p>
+          <a:p>
+            <a:r>
+              <a:rPr lang="en-US" dirty="0" smtClean="0"/>
+              <a:t>7. 172.18.0.17:3306</a:t>
+            </a:r>
+            <a:endParaRPr lang="en-US" dirty="0"/>
+          </a:p>
+        </p:txBody>
+      </p:sp>
+      <p:cxnSp>
+        <p:nvCxnSpPr>
+          <p:cNvPr id="44" name="Straight Arrow Connector 43"/>
+          <p:cNvCxnSpPr/>
+          <p:nvPr/>
+        </p:nvCxnSpPr>
+        <p:spPr>
+          <a:xfrm flipH="1">
+            <a:off x="3886200" y="1638300"/>
+            <a:ext cx="838200" cy="1295400"/>
+          </a:xfrm>
+          <a:prstGeom prst="straightConnector1">
+            <a:avLst/>
+          </a:prstGeom>
+          <a:ln>
+            <a:tailEnd type="arrow"/>
+          </a:ln>
+        </p:spPr>
+        <p:style>
+          <a:lnRef idx="1">
+            <a:schemeClr val="accent1"/>
+          </a:lnRef>
+          <a:fillRef idx="0">
+            <a:schemeClr val="accent1"/>
+          </a:fillRef>
+          <a:effectRef idx="0">
+            <a:schemeClr val="accent1"/>
+          </a:effectRef>
+          <a:fontRef idx="minor">
+            <a:schemeClr val="tx1"/>
+          </a:fontRef>
+        </p:style>
+      </p:cxnSp>
+      <p:cxnSp>
+        <p:nvCxnSpPr>
+          <p:cNvPr id="46" name="Straight Arrow Connector 45"/>
+          <p:cNvCxnSpPr>
+            <a:endCxn id="10" idx="1"/>
+          </p:cNvCxnSpPr>
+          <p:nvPr/>
+        </p:nvCxnSpPr>
+        <p:spPr>
+          <a:xfrm>
+            <a:off x="3886200" y="3086100"/>
+            <a:ext cx="2128185" cy="611515"/>
+          </a:xfrm>
+          <a:prstGeom prst="straightConnector1">
+            <a:avLst/>
+          </a:prstGeom>
+          <a:ln>
+            <a:tailEnd type="arrow"/>
+          </a:ln>
+        </p:spPr>
+        <p:style>
+          <a:lnRef idx="1">
+            <a:schemeClr val="accent1"/>
+          </a:lnRef>
+          <a:fillRef idx="0">
+            <a:schemeClr val="accent1"/>
+          </a:fillRef>
+          <a:effectRef idx="0">
+            <a:schemeClr val="accent1"/>
+          </a:effectRef>
+          <a:fontRef idx="minor">
+            <a:schemeClr val="tx1"/>
+          </a:fontRef>
+        </p:style>
+      </p:cxnSp>
+      <p:sp>
+        <p:nvSpPr>
+          <p:cNvPr id="47" name="Oval 46"/>
+          <p:cNvSpPr/>
+          <p:nvPr/>
+        </p:nvSpPr>
+        <p:spPr>
+          <a:xfrm>
+            <a:off x="3352800" y="3695700"/>
+            <a:ext cx="1524000" cy="533400"/>
+          </a:xfrm>
+          <a:prstGeom prst="ellipse">
+            <a:avLst/>
+          </a:prstGeom>
+        </p:spPr>
+        <p:style>
+          <a:lnRef idx="2">
+            <a:schemeClr val="accent1">
+              <a:shade val="50000"/>
+            </a:schemeClr>
+          </a:lnRef>
+          <a:fillRef idx="1">
+            <a:schemeClr val="accent1"/>
+          </a:fillRef>
+          <a:effectRef idx="0">
+            <a:schemeClr val="accent1"/>
+          </a:effectRef>
+          <a:fontRef idx="minor">
+            <a:schemeClr val="lt1"/>
+          </a:fontRef>
+        </p:style>
+        <p:txBody>
+          <a:bodyPr rtlCol="0" anchor="ctr"/>
+          <a:lstStyle/>
+          <a:p>
+            <a:pPr algn="ctr"/>
+            <a:r>
+              <a:rPr lang="en-US" dirty="0" smtClean="0"/>
+              <a:t>Db:3306</a:t>
+            </a:r>
+          </a:p>
+        </p:txBody>
+      </p:sp>
+      <p:sp>
+        <p:nvSpPr>
+          <p:cNvPr id="48" name="TextBox 47"/>
+          <p:cNvSpPr txBox="1"/>
+          <p:nvPr/>
+        </p:nvSpPr>
+        <p:spPr>
+          <a:xfrm>
+            <a:off x="3352800" y="4229100"/>
+            <a:ext cx="1524000" cy="369332"/>
+          </a:xfrm>
+          <a:prstGeom prst="rect">
+            <a:avLst/>
+          </a:prstGeom>
+          <a:noFill/>
+        </p:spPr>
+        <p:txBody>
+          <a:bodyPr wrap="square" rtlCol="0">
+            <a:spAutoFit/>
+          </a:bodyPr>
+          <a:lstStyle/>
+          <a:p>
+            <a:r>
+              <a:rPr lang="en-US" dirty="0" smtClean="0"/>
+              <a:t>172.18.0.18</a:t>
+            </a:r>
+            <a:endParaRPr lang="en-US" dirty="0"/>
+          </a:p>
+        </p:txBody>
+      </p:sp>
+      <p:sp>
+        <p:nvSpPr>
+          <p:cNvPr id="49" name="TextBox 48"/>
+          <p:cNvSpPr txBox="1"/>
+          <p:nvPr/>
+        </p:nvSpPr>
+        <p:spPr>
+          <a:xfrm>
+            <a:off x="7391400" y="571500"/>
+            <a:ext cx="676467" cy="369332"/>
+          </a:xfrm>
+          <a:prstGeom prst="rect">
+            <a:avLst/>
+          </a:prstGeom>
+          <a:noFill/>
+        </p:spPr>
+        <p:txBody>
+          <a:bodyPr wrap="none" rtlCol="0">
+            <a:spAutoFit/>
+          </a:bodyPr>
+          <a:lstStyle/>
+          <a:p>
+            <a:r>
+              <a:rPr lang="en-US" dirty="0" smtClean="0"/>
+              <a:t>canal</a:t>
+            </a:r>
+            <a:endParaRPr lang="en-US" dirty="0"/>
+          </a:p>
+        </p:txBody>
+      </p:sp>
+      <p:sp>
+        <p:nvSpPr>
+          <p:cNvPr id="50" name="TextBox 49"/>
+          <p:cNvSpPr txBox="1"/>
+          <p:nvPr/>
+        </p:nvSpPr>
+        <p:spPr>
+          <a:xfrm>
+            <a:off x="7543800" y="3543300"/>
+            <a:ext cx="676467" cy="369332"/>
+          </a:xfrm>
+          <a:prstGeom prst="rect">
+            <a:avLst/>
+          </a:prstGeom>
+          <a:noFill/>
+        </p:spPr>
+        <p:txBody>
+          <a:bodyPr wrap="none" rtlCol="0">
+            <a:spAutoFit/>
+          </a:bodyPr>
+          <a:lstStyle/>
+          <a:p>
+            <a:r>
+              <a:rPr lang="en-US" dirty="0" smtClean="0"/>
+              <a:t>canal</a:t>
+            </a:r>
+            <a:endParaRPr lang="en-US" dirty="0"/>
+          </a:p>
+        </p:txBody>
+      </p:sp>
+    </p:spTree>
+  </p:cSld>
+  <p:clrMapOvr>
+    <a:masterClrMapping/>
+  </p:clrMapOvr>
+</p:sld>
+</file>
+
+<file path=ppt/slides/slide17.xml><?xml version="1.0" encoding="utf-8"?>
 <p:sld xmlns:a="http://schemas.openxmlformats.org/drawingml/2006/main" xmlns:r="http://schemas.openxmlformats.org/officeDocument/2006/relationships" xmlns:p="http://schemas.openxmlformats.org/presentationml/2006/main">
   <p:cSld>
     <p:spTree>
